--- a/Rockbuster/Rockbuster-presentation.pptx
+++ b/Rockbuster/Rockbuster-presentation.pptx
@@ -5,22 +5,23 @@
     <p:sldMasterId id="2147483648" r:id="rId4"/>
   </p:sldMasterIdLst>
   <p:notesMasterIdLst>
-    <p:notesMasterId r:id="rId15"/>
+    <p:notesMasterId r:id="rId16"/>
   </p:notesMasterIdLst>
   <p:handoutMasterIdLst>
-    <p:handoutMasterId r:id="rId16"/>
+    <p:handoutMasterId r:id="rId17"/>
   </p:handoutMasterIdLst>
   <p:sldIdLst>
     <p:sldId id="256" r:id="rId5"/>
     <p:sldId id="257" r:id="rId6"/>
     <p:sldId id="258" r:id="rId7"/>
-    <p:sldId id="272" r:id="rId8"/>
-    <p:sldId id="271" r:id="rId9"/>
-    <p:sldId id="270" r:id="rId10"/>
-    <p:sldId id="264" r:id="rId11"/>
-    <p:sldId id="265" r:id="rId12"/>
-    <p:sldId id="266" r:id="rId13"/>
-    <p:sldId id="261" r:id="rId14"/>
+    <p:sldId id="273" r:id="rId8"/>
+    <p:sldId id="272" r:id="rId9"/>
+    <p:sldId id="271" r:id="rId10"/>
+    <p:sldId id="270" r:id="rId11"/>
+    <p:sldId id="264" r:id="rId12"/>
+    <p:sldId id="265" r:id="rId13"/>
+    <p:sldId id="266" r:id="rId14"/>
+    <p:sldId id="261" r:id="rId15"/>
   </p:sldIdLst>
   <p:sldSz cx="12192000" cy="6858000"/>
   <p:notesSz cx="6858000" cy="9144000"/>
@@ -133,8 +134,7 @@
 <file path=ppt/revisionInfo.xml><?xml version="1.0" encoding="utf-8"?>
 <p1510:revInfo xmlns:a="http://schemas.openxmlformats.org/drawingml/2006/main" xmlns:r="http://schemas.openxmlformats.org/officeDocument/2006/relationships" xmlns:p1510="http://schemas.microsoft.com/office/powerpoint/2015/10/main">
   <p1510:revLst>
-    <p1510:client id="{ED9BDAFA-1D45-41D3-8A5A-1066D5612485}" v="89" dt="2022-05-15T22:37:37.443"/>
-    <p1510:client id="{FB9B1CD6-0CC9-684D-BDB8-D942916617C0}" v="531" dt="2022-05-15T11:36:10.385"/>
+    <p1510:client id="{ED9BDAFA-1D45-41D3-8A5A-1066D5612485}" v="90" dt="2022-05-30T18:32:37.940"/>
   </p1510:revLst>
 </p1510:revInfo>
 </file>
@@ -183,7 +183,7 @@
   <pc:docChgLst>
     <pc:chgData name="Asta Hansen" userId="f4202055e753a8d2" providerId="LiveId" clId="{ED9BDAFA-1D45-41D3-8A5A-1066D5612485}"/>
     <pc:docChg chg="undo custSel addSld delSld modSld sldOrd">
-      <pc:chgData name="Asta Hansen" userId="f4202055e753a8d2" providerId="LiveId" clId="{ED9BDAFA-1D45-41D3-8A5A-1066D5612485}" dt="2022-05-15T22:37:58.257" v="3938" actId="1076"/>
+      <pc:chgData name="Asta Hansen" userId="f4202055e753a8d2" providerId="LiveId" clId="{ED9BDAFA-1D45-41D3-8A5A-1066D5612485}" dt="2022-05-30T18:55:15.623" v="4549" actId="14100"/>
       <pc:docMkLst>
         <pc:docMk/>
       </pc:docMkLst>
@@ -211,13 +211,21 @@
         </pc:spChg>
       </pc:sldChg>
       <pc:sldChg chg="modSp mod">
-        <pc:chgData name="Asta Hansen" userId="f4202055e753a8d2" providerId="LiveId" clId="{ED9BDAFA-1D45-41D3-8A5A-1066D5612485}" dt="2022-05-15T10:45:36.807" v="3262" actId="1076"/>
+        <pc:chgData name="Asta Hansen" userId="f4202055e753a8d2" providerId="LiveId" clId="{ED9BDAFA-1D45-41D3-8A5A-1066D5612485}" dt="2022-05-30T18:55:15.623" v="4549" actId="14100"/>
         <pc:sldMkLst>
           <pc:docMk/>
           <pc:sldMk cId="1713219598" sldId="257"/>
         </pc:sldMkLst>
         <pc:spChg chg="mod">
-          <ac:chgData name="Asta Hansen" userId="f4202055e753a8d2" providerId="LiveId" clId="{ED9BDAFA-1D45-41D3-8A5A-1066D5612485}" dt="2022-05-15T10:45:36.807" v="3262" actId="1076"/>
+          <ac:chgData name="Asta Hansen" userId="f4202055e753a8d2" providerId="LiveId" clId="{ED9BDAFA-1D45-41D3-8A5A-1066D5612485}" dt="2022-05-30T18:55:15.623" v="4549" actId="14100"/>
+          <ac:spMkLst>
+            <pc:docMk/>
+            <pc:sldMk cId="1713219598" sldId="257"/>
+            <ac:spMk id="2" creationId="{1BEF5859-10C9-4588-9727-B9362E26C29D}"/>
+          </ac:spMkLst>
+        </pc:spChg>
+        <pc:spChg chg="mod">
+          <ac:chgData name="Asta Hansen" userId="f4202055e753a8d2" providerId="LiveId" clId="{ED9BDAFA-1D45-41D3-8A5A-1066D5612485}" dt="2022-05-30T18:55:11.241" v="4548" actId="27636"/>
           <ac:spMkLst>
             <pc:docMk/>
             <pc:sldMk cId="1713219598" sldId="257"/>
@@ -226,13 +234,13 @@
         </pc:spChg>
       </pc:sldChg>
       <pc:sldChg chg="addSp delSp modSp mod setBg">
-        <pc:chgData name="Asta Hansen" userId="f4202055e753a8d2" providerId="LiveId" clId="{ED9BDAFA-1D45-41D3-8A5A-1066D5612485}" dt="2022-05-15T10:57:37.306" v="3536" actId="14100"/>
+        <pc:chgData name="Asta Hansen" userId="f4202055e753a8d2" providerId="LiveId" clId="{ED9BDAFA-1D45-41D3-8A5A-1066D5612485}" dt="2022-05-30T18:51:24.078" v="4503" actId="114"/>
         <pc:sldMkLst>
           <pc:docMk/>
           <pc:sldMk cId="3571516367" sldId="258"/>
         </pc:sldMkLst>
         <pc:spChg chg="mod">
-          <ac:chgData name="Asta Hansen" userId="f4202055e753a8d2" providerId="LiveId" clId="{ED9BDAFA-1D45-41D3-8A5A-1066D5612485}" dt="2022-05-14T23:50:22.344" v="1435" actId="1076"/>
+          <ac:chgData name="Asta Hansen" userId="f4202055e753a8d2" providerId="LiveId" clId="{ED9BDAFA-1D45-41D3-8A5A-1066D5612485}" dt="2022-05-30T18:39:56.989" v="4002" actId="1076"/>
           <ac:spMkLst>
             <pc:docMk/>
             <pc:sldMk cId="3571516367" sldId="258"/>
@@ -240,7 +248,7 @@
           </ac:spMkLst>
         </pc:spChg>
         <pc:spChg chg="mod">
-          <ac:chgData name="Asta Hansen" userId="f4202055e753a8d2" providerId="LiveId" clId="{ED9BDAFA-1D45-41D3-8A5A-1066D5612485}" dt="2022-05-15T10:56:57.427" v="3529" actId="1076"/>
+          <ac:chgData name="Asta Hansen" userId="f4202055e753a8d2" providerId="LiveId" clId="{ED9BDAFA-1D45-41D3-8A5A-1066D5612485}" dt="2022-05-30T18:51:24.078" v="4503" actId="114"/>
           <ac:spMkLst>
             <pc:docMk/>
             <pc:sldMk cId="3571516367" sldId="258"/>
@@ -255,16 +263,16 @@
             <ac:spMk id="4" creationId="{70E12647-CCB2-45E2-A9CB-A868F490497E}"/>
           </ac:spMkLst>
         </pc:spChg>
-        <pc:spChg chg="mod">
-          <ac:chgData name="Asta Hansen" userId="f4202055e753a8d2" providerId="LiveId" clId="{ED9BDAFA-1D45-41D3-8A5A-1066D5612485}" dt="2022-05-15T10:57:37.306" v="3536" actId="14100"/>
+        <pc:spChg chg="del mod">
+          <ac:chgData name="Asta Hansen" userId="f4202055e753a8d2" providerId="LiveId" clId="{ED9BDAFA-1D45-41D3-8A5A-1066D5612485}" dt="2022-05-30T18:33:23.402" v="3963" actId="478"/>
           <ac:spMkLst>
             <pc:docMk/>
             <pc:sldMk cId="3571516367" sldId="258"/>
             <ac:spMk id="5" creationId="{8D51ED20-04D4-4894-B0C2-9C541A61A734}"/>
           </ac:spMkLst>
         </pc:spChg>
-        <pc:picChg chg="add mod">
-          <ac:chgData name="Asta Hansen" userId="f4202055e753a8d2" providerId="LiveId" clId="{ED9BDAFA-1D45-41D3-8A5A-1066D5612485}" dt="2022-05-15T09:16:56.931" v="2396" actId="14100"/>
+        <pc:picChg chg="add del mod">
+          <ac:chgData name="Asta Hansen" userId="f4202055e753a8d2" providerId="LiveId" clId="{ED9BDAFA-1D45-41D3-8A5A-1066D5612485}" dt="2022-05-30T18:33:20.066" v="3962" actId="478"/>
           <ac:picMkLst>
             <pc:docMk/>
             <pc:sldMk cId="3571516367" sldId="258"/>
@@ -412,13 +420,13 @@
         </pc:spChg>
       </pc:sldChg>
       <pc:sldChg chg="addSp delSp modSp mod ord">
-        <pc:chgData name="Asta Hansen" userId="f4202055e753a8d2" providerId="LiveId" clId="{ED9BDAFA-1D45-41D3-8A5A-1066D5612485}" dt="2022-05-15T22:37:58.257" v="3938" actId="1076"/>
+        <pc:chgData name="Asta Hansen" userId="f4202055e753a8d2" providerId="LiveId" clId="{ED9BDAFA-1D45-41D3-8A5A-1066D5612485}" dt="2022-05-30T18:53:46.835" v="4523" actId="1076"/>
         <pc:sldMkLst>
           <pc:docMk/>
           <pc:sldMk cId="1742861620" sldId="266"/>
         </pc:sldMkLst>
         <pc:spChg chg="mod">
-          <ac:chgData name="Asta Hansen" userId="f4202055e753a8d2" providerId="LiveId" clId="{ED9BDAFA-1D45-41D3-8A5A-1066D5612485}" dt="2022-05-15T22:36:53.333" v="3888" actId="14100"/>
+          <ac:chgData name="Asta Hansen" userId="f4202055e753a8d2" providerId="LiveId" clId="{ED9BDAFA-1D45-41D3-8A5A-1066D5612485}" dt="2022-05-30T18:53:46.835" v="4523" actId="1076"/>
           <ac:spMkLst>
             <pc:docMk/>
             <pc:sldMk cId="1742861620" sldId="266"/>
@@ -782,6 +790,157 @@
           </ac:picMkLst>
         </pc:picChg>
       </pc:sldChg>
+      <pc:sldChg chg="addSp delSp modSp new mod">
+        <pc:chgData name="Asta Hansen" userId="f4202055e753a8d2" providerId="LiveId" clId="{ED9BDAFA-1D45-41D3-8A5A-1066D5612485}" dt="2022-05-30T18:53:11.397" v="4522" actId="20577"/>
+        <pc:sldMkLst>
+          <pc:docMk/>
+          <pc:sldMk cId="4202399730" sldId="273"/>
+        </pc:sldMkLst>
+        <pc:spChg chg="mod">
+          <ac:chgData name="Asta Hansen" userId="f4202055e753a8d2" providerId="LiveId" clId="{ED9BDAFA-1D45-41D3-8A5A-1066D5612485}" dt="2022-05-30T18:53:11.397" v="4522" actId="20577"/>
+          <ac:spMkLst>
+            <pc:docMk/>
+            <pc:sldMk cId="4202399730" sldId="273"/>
+            <ac:spMk id="2" creationId="{7CEB2E52-E8A5-15BA-B8ED-C09D7B9AD20C}"/>
+          </ac:spMkLst>
+        </pc:spChg>
+        <pc:spChg chg="del">
+          <ac:chgData name="Asta Hansen" userId="f4202055e753a8d2" providerId="LiveId" clId="{ED9BDAFA-1D45-41D3-8A5A-1066D5612485}" dt="2022-05-30T18:10:22.147" v="3940" actId="478"/>
+          <ac:spMkLst>
+            <pc:docMk/>
+            <pc:sldMk cId="4202399730" sldId="273"/>
+            <ac:spMk id="3" creationId="{D794B680-6071-FFCD-73AA-18C3E758A14F}"/>
+          </ac:spMkLst>
+        </pc:spChg>
+        <pc:spChg chg="del">
+          <ac:chgData name="Asta Hansen" userId="f4202055e753a8d2" providerId="LiveId" clId="{ED9BDAFA-1D45-41D3-8A5A-1066D5612485}" dt="2022-05-30T18:10:22.147" v="3940" actId="478"/>
+          <ac:spMkLst>
+            <pc:docMk/>
+            <pc:sldMk cId="4202399730" sldId="273"/>
+            <ac:spMk id="4" creationId="{5476517A-4D09-6425-CA53-24859B708F43}"/>
+          </ac:spMkLst>
+        </pc:spChg>
+        <pc:spChg chg="del">
+          <ac:chgData name="Asta Hansen" userId="f4202055e753a8d2" providerId="LiveId" clId="{ED9BDAFA-1D45-41D3-8A5A-1066D5612485}" dt="2022-05-30T18:10:22.147" v="3940" actId="478"/>
+          <ac:spMkLst>
+            <pc:docMk/>
+            <pc:sldMk cId="4202399730" sldId="273"/>
+            <ac:spMk id="5" creationId="{43AE464B-EB88-B08C-787D-25E7C0BAD084}"/>
+          </ac:spMkLst>
+        </pc:spChg>
+        <pc:spChg chg="del">
+          <ac:chgData name="Asta Hansen" userId="f4202055e753a8d2" providerId="LiveId" clId="{ED9BDAFA-1D45-41D3-8A5A-1066D5612485}" dt="2022-05-30T18:10:22.147" v="3940" actId="478"/>
+          <ac:spMkLst>
+            <pc:docMk/>
+            <pc:sldMk cId="4202399730" sldId="273"/>
+            <ac:spMk id="6" creationId="{02304295-9591-8C7F-C225-ABDA5C813581}"/>
+          </ac:spMkLst>
+        </pc:spChg>
+        <pc:spChg chg="del">
+          <ac:chgData name="Asta Hansen" userId="f4202055e753a8d2" providerId="LiveId" clId="{ED9BDAFA-1D45-41D3-8A5A-1066D5612485}" dt="2022-05-30T18:10:22.147" v="3940" actId="478"/>
+          <ac:spMkLst>
+            <pc:docMk/>
+            <pc:sldMk cId="4202399730" sldId="273"/>
+            <ac:spMk id="7" creationId="{D5B71E0A-D5AB-BC39-5056-7E25CA903330}"/>
+          </ac:spMkLst>
+        </pc:spChg>
+        <pc:spChg chg="del">
+          <ac:chgData name="Asta Hansen" userId="f4202055e753a8d2" providerId="LiveId" clId="{ED9BDAFA-1D45-41D3-8A5A-1066D5612485}" dt="2022-05-30T18:10:22.147" v="3940" actId="478"/>
+          <ac:spMkLst>
+            <pc:docMk/>
+            <pc:sldMk cId="4202399730" sldId="273"/>
+            <ac:spMk id="8" creationId="{B4C67F55-FB6D-5646-B6ED-B36CB2AFCB1F}"/>
+          </ac:spMkLst>
+        </pc:spChg>
+        <pc:spChg chg="del">
+          <ac:chgData name="Asta Hansen" userId="f4202055e753a8d2" providerId="LiveId" clId="{ED9BDAFA-1D45-41D3-8A5A-1066D5612485}" dt="2022-05-30T18:10:22.147" v="3940" actId="478"/>
+          <ac:spMkLst>
+            <pc:docMk/>
+            <pc:sldMk cId="4202399730" sldId="273"/>
+            <ac:spMk id="9" creationId="{2E660E48-37F1-91CC-DF54-0A8C366D51DB}"/>
+          </ac:spMkLst>
+        </pc:spChg>
+        <pc:spChg chg="del">
+          <ac:chgData name="Asta Hansen" userId="f4202055e753a8d2" providerId="LiveId" clId="{ED9BDAFA-1D45-41D3-8A5A-1066D5612485}" dt="2022-05-30T18:10:22.147" v="3940" actId="478"/>
+          <ac:spMkLst>
+            <pc:docMk/>
+            <pc:sldMk cId="4202399730" sldId="273"/>
+            <ac:spMk id="10" creationId="{DF821989-9ED4-3D87-0923-363DDE90342B}"/>
+          </ac:spMkLst>
+        </pc:spChg>
+        <pc:spChg chg="del">
+          <ac:chgData name="Asta Hansen" userId="f4202055e753a8d2" providerId="LiveId" clId="{ED9BDAFA-1D45-41D3-8A5A-1066D5612485}" dt="2022-05-30T18:10:22.147" v="3940" actId="478"/>
+          <ac:spMkLst>
+            <pc:docMk/>
+            <pc:sldMk cId="4202399730" sldId="273"/>
+            <ac:spMk id="11" creationId="{ABEA19B1-FB48-4F12-926B-ABB78D2ACFFF}"/>
+          </ac:spMkLst>
+        </pc:spChg>
+        <pc:spChg chg="del">
+          <ac:chgData name="Asta Hansen" userId="f4202055e753a8d2" providerId="LiveId" clId="{ED9BDAFA-1D45-41D3-8A5A-1066D5612485}" dt="2022-05-30T18:10:22.147" v="3940" actId="478"/>
+          <ac:spMkLst>
+            <pc:docMk/>
+            <pc:sldMk cId="4202399730" sldId="273"/>
+            <ac:spMk id="12" creationId="{98C551C9-BB47-7A23-734D-C3A7B4F8BBF6}"/>
+          </ac:spMkLst>
+        </pc:spChg>
+        <pc:spChg chg="del">
+          <ac:chgData name="Asta Hansen" userId="f4202055e753a8d2" providerId="LiveId" clId="{ED9BDAFA-1D45-41D3-8A5A-1066D5612485}" dt="2022-05-30T18:10:22.147" v="3940" actId="478"/>
+          <ac:spMkLst>
+            <pc:docMk/>
+            <pc:sldMk cId="4202399730" sldId="273"/>
+            <ac:spMk id="13" creationId="{BF6B4EC7-A534-D635-7C0E-86F5E05651F0}"/>
+          </ac:spMkLst>
+        </pc:spChg>
+        <pc:spChg chg="del">
+          <ac:chgData name="Asta Hansen" userId="f4202055e753a8d2" providerId="LiveId" clId="{ED9BDAFA-1D45-41D3-8A5A-1066D5612485}" dt="2022-05-30T18:10:22.147" v="3940" actId="478"/>
+          <ac:spMkLst>
+            <pc:docMk/>
+            <pc:sldMk cId="4202399730" sldId="273"/>
+            <ac:spMk id="14" creationId="{032B5BB6-F3E8-04AF-A3DE-3D58770B7308}"/>
+          </ac:spMkLst>
+        </pc:spChg>
+        <pc:spChg chg="del mod">
+          <ac:chgData name="Asta Hansen" userId="f4202055e753a8d2" providerId="LiveId" clId="{ED9BDAFA-1D45-41D3-8A5A-1066D5612485}" dt="2022-05-30T18:10:28.850" v="3942" actId="478"/>
+          <ac:spMkLst>
+            <pc:docMk/>
+            <pc:sldMk cId="4202399730" sldId="273"/>
+            <ac:spMk id="15" creationId="{2514155D-9E04-86BB-BEFD-D9EAE1E064DA}"/>
+          </ac:spMkLst>
+        </pc:spChg>
+        <pc:spChg chg="del">
+          <ac:chgData name="Asta Hansen" userId="f4202055e753a8d2" providerId="LiveId" clId="{ED9BDAFA-1D45-41D3-8A5A-1066D5612485}" dt="2022-05-30T18:10:32.491" v="3943" actId="478"/>
+          <ac:spMkLst>
+            <pc:docMk/>
+            <pc:sldMk cId="4202399730" sldId="273"/>
+            <ac:spMk id="16" creationId="{C61986C7-A06E-6861-EDFB-D45381E446D3}"/>
+          </ac:spMkLst>
+        </pc:spChg>
+        <pc:spChg chg="add mod">
+          <ac:chgData name="Asta Hansen" userId="f4202055e753a8d2" providerId="LiveId" clId="{ED9BDAFA-1D45-41D3-8A5A-1066D5612485}" dt="2022-05-30T18:52:49.351" v="4506" actId="14100"/>
+          <ac:spMkLst>
+            <pc:docMk/>
+            <pc:sldMk cId="4202399730" sldId="273"/>
+            <ac:spMk id="18" creationId="{DAB59256-1217-D45B-C8D3-0A8DC4075498}"/>
+          </ac:spMkLst>
+        </pc:spChg>
+        <pc:spChg chg="add mod">
+          <ac:chgData name="Asta Hansen" userId="f4202055e753a8d2" providerId="LiveId" clId="{ED9BDAFA-1D45-41D3-8A5A-1066D5612485}" dt="2022-05-30T18:52:45.223" v="4505" actId="1076"/>
+          <ac:spMkLst>
+            <pc:docMk/>
+            <pc:sldMk cId="4202399730" sldId="273"/>
+            <ac:spMk id="21" creationId="{D33E395B-C584-A359-A955-82F588D480B2}"/>
+          </ac:spMkLst>
+        </pc:spChg>
+        <pc:picChg chg="add mod">
+          <ac:chgData name="Asta Hansen" userId="f4202055e753a8d2" providerId="LiveId" clId="{ED9BDAFA-1D45-41D3-8A5A-1066D5612485}" dt="2022-05-30T18:39:37.770" v="3997" actId="1076"/>
+          <ac:picMkLst>
+            <pc:docMk/>
+            <pc:sldMk cId="4202399730" sldId="273"/>
+            <ac:picMk id="19" creationId="{68802912-5010-F185-4F3C-B8B58723FE09}"/>
+          </ac:picMkLst>
+        </pc:picChg>
+      </pc:sldChg>
     </pc:docChg>
   </pc:docChgLst>
 </pc:chgInfo>
@@ -881,7 +1040,7 @@
           <a:p>
             <a:fld id="{B56F32FC-4BD9-442A-A8C6-51598C909FE3}" type="datetimeFigureOut">
               <a:rPr lang="en-US" smtClean="0"/>
-              <a:t>5/15/2022</a:t>
+              <a:t>5/30/2022</a:t>
             </a:fld>
             <a:endParaRPr lang="en-US" dirty="0"/>
           </a:p>
@@ -1058,7 +1217,7 @@
           <a:p>
             <a:fld id="{056371FA-A98D-41E8-93F4-09945841298A}" type="datetimeFigureOut">
               <a:rPr lang="en-US" smtClean="0"/>
-              <a:t>5/15/2022</a:t>
+              <a:t>5/30/2022</a:t>
             </a:fld>
             <a:endParaRPr lang="en-US" dirty="0"/>
           </a:p>
@@ -10279,6 +10438,378 @@
           <p:cNvPr id="2" name="Title 1">
             <a:extLst>
               <a:ext uri="{FF2B5EF4-FFF2-40B4-BE49-F238E27FC236}">
+                <a16:creationId xmlns:a16="http://schemas.microsoft.com/office/drawing/2014/main" id="{4518FC28-E0BD-4387-B8BE-9965D1A57FF1}"/>
+              </a:ext>
+            </a:extLst>
+          </p:cNvPr>
+          <p:cNvSpPr>
+            <a:spLocks noGrp="1"/>
+          </p:cNvSpPr>
+          <p:nvPr>
+            <p:ph type="title"/>
+          </p:nvPr>
+        </p:nvSpPr>
+        <p:spPr>
+          <a:xfrm>
+            <a:off x="5476875" y="1671639"/>
+            <a:ext cx="5111750" cy="1204912"/>
+          </a:xfrm>
+        </p:spPr>
+        <p:txBody>
+          <a:bodyPr/>
+          <a:lstStyle/>
+          <a:p>
+            <a:r>
+              <a:rPr lang="en-US" dirty="0"/>
+              <a:t>SUMMARY</a:t>
+            </a:r>
+          </a:p>
+        </p:txBody>
+      </p:sp>
+      <p:sp>
+        <p:nvSpPr>
+          <p:cNvPr id="3" name="Text Placeholder 2">
+            <a:extLst>
+              <a:ext uri="{FF2B5EF4-FFF2-40B4-BE49-F238E27FC236}">
+                <a16:creationId xmlns:a16="http://schemas.microsoft.com/office/drawing/2014/main" id="{FED19BCA-B61F-4EA6-A1FB-CCA3BD8506FB}"/>
+              </a:ext>
+            </a:extLst>
+          </p:cNvPr>
+          <p:cNvSpPr>
+            <a:spLocks noGrp="1"/>
+          </p:cNvSpPr>
+          <p:nvPr>
+            <p:ph type="body" idx="1"/>
+          </p:nvPr>
+        </p:nvSpPr>
+        <p:spPr>
+          <a:xfrm>
+            <a:off x="5476875" y="3347936"/>
+            <a:ext cx="5111750" cy="2021570"/>
+          </a:xfrm>
+        </p:spPr>
+        <p:txBody>
+          <a:bodyPr>
+            <a:normAutofit/>
+          </a:bodyPr>
+          <a:lstStyle/>
+          <a:p>
+            <a:r>
+              <a:rPr lang="en-GB" dirty="0"/>
+              <a:t>With a customer base across the globe and a variety of film licenses we are in a good position to explore the option of online rentals. </a:t>
+            </a:r>
+          </a:p>
+          <a:p>
+            <a:r>
+              <a:rPr lang="en-GB" dirty="0"/>
+              <a:t>Our strongest market is Asia with a solid customer base in India and China. </a:t>
+            </a:r>
+          </a:p>
+          <a:p>
+            <a:r>
+              <a:rPr lang="en-GB" dirty="0"/>
+              <a:t>Our film catalogue is well spread across the different genres and they generate a similar level of revenue.</a:t>
+            </a:r>
+            <a:endParaRPr lang="en-US" dirty="0"/>
+          </a:p>
+        </p:txBody>
+      </p:sp>
+      <p:sp>
+        <p:nvSpPr>
+          <p:cNvPr id="6" name="Slide Number Placeholder 5">
+            <a:extLst>
+              <a:ext uri="{FF2B5EF4-FFF2-40B4-BE49-F238E27FC236}">
+                <a16:creationId xmlns:a16="http://schemas.microsoft.com/office/drawing/2014/main" id="{7C4B8313-9270-4128-8674-3A3E42B806BC}"/>
+              </a:ext>
+            </a:extLst>
+          </p:cNvPr>
+          <p:cNvSpPr>
+            <a:spLocks noGrp="1"/>
+          </p:cNvSpPr>
+          <p:nvPr>
+            <p:ph type="sldNum" sz="quarter" idx="12"/>
+          </p:nvPr>
+        </p:nvSpPr>
+        <p:spPr>
+          <a:xfrm>
+            <a:off x="8610600" y="6356350"/>
+            <a:ext cx="2743200" cy="365125"/>
+          </a:xfrm>
+        </p:spPr>
+        <p:txBody>
+          <a:bodyPr/>
+          <a:lstStyle/>
+          <a:p>
+            <a:fld id="{A49DFD55-3C28-40EF-9E31-A92D2E4017FF}" type="slidenum">
+              <a:rPr lang="en-US" smtClean="0"/>
+              <a:pPr/>
+              <a:t>10</a:t>
+            </a:fld>
+            <a:endParaRPr lang="en-US" dirty="0"/>
+          </a:p>
+        </p:txBody>
+      </p:sp>
+      <p:sp>
+        <p:nvSpPr>
+          <p:cNvPr id="5" name="Text Placeholder 2">
+            <a:extLst>
+              <a:ext uri="{FF2B5EF4-FFF2-40B4-BE49-F238E27FC236}">
+                <a16:creationId xmlns:a16="http://schemas.microsoft.com/office/drawing/2014/main" id="{7FC763D3-5A91-751B-1277-07DB7EF20D2F}"/>
+              </a:ext>
+            </a:extLst>
+          </p:cNvPr>
+          <p:cNvSpPr txBox="1">
+            <a:spLocks/>
+          </p:cNvSpPr>
+          <p:nvPr/>
+        </p:nvSpPr>
+        <p:spPr>
+          <a:xfrm>
+            <a:off x="879993" y="5567652"/>
+            <a:ext cx="10055484" cy="590552"/>
+          </a:xfrm>
+          <a:prstGeom prst="rect">
+            <a:avLst/>
+          </a:prstGeom>
+        </p:spPr>
+        <p:txBody>
+          <a:bodyPr vert="horz" lIns="91440" tIns="45720" rIns="91440" bIns="45720" rtlCol="0">
+            <a:normAutofit/>
+          </a:bodyPr>
+          <a:lstStyle>
+            <a:lvl1pPr marL="0" indent="0" algn="l" defTabSz="914400" rtl="0" eaLnBrk="1" latinLnBrk="0" hangingPunct="1">
+              <a:lnSpc>
+                <a:spcPct val="100000"/>
+              </a:lnSpc>
+              <a:spcBef>
+                <a:spcPts val="1000"/>
+              </a:spcBef>
+              <a:buFont typeface="Arial" panose="020B0604020202020204" pitchFamily="34" charset="0"/>
+              <a:buNone/>
+              <a:defRPr sz="1400" kern="1200" spc="50" baseline="0">
+                <a:solidFill>
+                  <a:schemeClr val="tx1"/>
+                </a:solidFill>
+                <a:latin typeface="+mn-lt"/>
+                <a:ea typeface="+mn-ea"/>
+                <a:cs typeface="+mn-cs"/>
+              </a:defRPr>
+            </a:lvl1pPr>
+            <a:lvl2pPr marL="457200" indent="0" algn="l" defTabSz="914400" rtl="0" eaLnBrk="1" latinLnBrk="0" hangingPunct="1">
+              <a:lnSpc>
+                <a:spcPct val="90000"/>
+              </a:lnSpc>
+              <a:spcBef>
+                <a:spcPts val="500"/>
+              </a:spcBef>
+              <a:buFont typeface="Arial" panose="020B0604020202020204" pitchFamily="34" charset="0"/>
+              <a:buNone/>
+              <a:defRPr sz="2000" kern="1200">
+                <a:solidFill>
+                  <a:schemeClr val="tx1">
+                    <a:tint val="75000"/>
+                  </a:schemeClr>
+                </a:solidFill>
+                <a:latin typeface="+mn-lt"/>
+                <a:ea typeface="+mn-ea"/>
+                <a:cs typeface="+mn-cs"/>
+              </a:defRPr>
+            </a:lvl2pPr>
+            <a:lvl3pPr marL="914400" indent="0" algn="l" defTabSz="914400" rtl="0" eaLnBrk="1" latinLnBrk="0" hangingPunct="1">
+              <a:lnSpc>
+                <a:spcPct val="90000"/>
+              </a:lnSpc>
+              <a:spcBef>
+                <a:spcPts val="500"/>
+              </a:spcBef>
+              <a:buFont typeface="Arial" panose="020B0604020202020204" pitchFamily="34" charset="0"/>
+              <a:buNone/>
+              <a:defRPr sz="1800" kern="1200">
+                <a:solidFill>
+                  <a:schemeClr val="tx1">
+                    <a:tint val="75000"/>
+                  </a:schemeClr>
+                </a:solidFill>
+                <a:latin typeface="+mn-lt"/>
+                <a:ea typeface="+mn-ea"/>
+                <a:cs typeface="+mn-cs"/>
+              </a:defRPr>
+            </a:lvl3pPr>
+            <a:lvl4pPr marL="1371600" indent="0" algn="l" defTabSz="914400" rtl="0" eaLnBrk="1" latinLnBrk="0" hangingPunct="1">
+              <a:lnSpc>
+                <a:spcPct val="90000"/>
+              </a:lnSpc>
+              <a:spcBef>
+                <a:spcPts val="500"/>
+              </a:spcBef>
+              <a:buFont typeface="Arial" panose="020B0604020202020204" pitchFamily="34" charset="0"/>
+              <a:buNone/>
+              <a:defRPr sz="1600" kern="1200">
+                <a:solidFill>
+                  <a:schemeClr val="tx1">
+                    <a:tint val="75000"/>
+                  </a:schemeClr>
+                </a:solidFill>
+                <a:latin typeface="+mn-lt"/>
+                <a:ea typeface="+mn-ea"/>
+                <a:cs typeface="+mn-cs"/>
+              </a:defRPr>
+            </a:lvl4pPr>
+            <a:lvl5pPr marL="1828800" indent="0" algn="l" defTabSz="914400" rtl="0" eaLnBrk="1" latinLnBrk="0" hangingPunct="1">
+              <a:lnSpc>
+                <a:spcPct val="90000"/>
+              </a:lnSpc>
+              <a:spcBef>
+                <a:spcPts val="500"/>
+              </a:spcBef>
+              <a:buFont typeface="Arial" panose="020B0604020202020204" pitchFamily="34" charset="0"/>
+              <a:buNone/>
+              <a:defRPr sz="1600" kern="1200">
+                <a:solidFill>
+                  <a:schemeClr val="tx1">
+                    <a:tint val="75000"/>
+                  </a:schemeClr>
+                </a:solidFill>
+                <a:latin typeface="+mn-lt"/>
+                <a:ea typeface="+mn-ea"/>
+                <a:cs typeface="+mn-cs"/>
+              </a:defRPr>
+            </a:lvl5pPr>
+            <a:lvl6pPr marL="2286000" indent="0" algn="l" defTabSz="914400" rtl="0" eaLnBrk="1" latinLnBrk="0" hangingPunct="1">
+              <a:lnSpc>
+                <a:spcPct val="90000"/>
+              </a:lnSpc>
+              <a:spcBef>
+                <a:spcPts val="500"/>
+              </a:spcBef>
+              <a:buFont typeface="Arial" panose="020B0604020202020204" pitchFamily="34" charset="0"/>
+              <a:buNone/>
+              <a:defRPr sz="1600" kern="1200">
+                <a:solidFill>
+                  <a:schemeClr val="tx1">
+                    <a:tint val="75000"/>
+                  </a:schemeClr>
+                </a:solidFill>
+                <a:latin typeface="+mn-lt"/>
+                <a:ea typeface="+mn-ea"/>
+                <a:cs typeface="+mn-cs"/>
+              </a:defRPr>
+            </a:lvl6pPr>
+            <a:lvl7pPr marL="2743200" indent="0" algn="l" defTabSz="914400" rtl="0" eaLnBrk="1" latinLnBrk="0" hangingPunct="1">
+              <a:lnSpc>
+                <a:spcPct val="90000"/>
+              </a:lnSpc>
+              <a:spcBef>
+                <a:spcPts val="500"/>
+              </a:spcBef>
+              <a:buFont typeface="Arial" panose="020B0604020202020204" pitchFamily="34" charset="0"/>
+              <a:buNone/>
+              <a:defRPr sz="1600" kern="1200">
+                <a:solidFill>
+                  <a:schemeClr val="tx1">
+                    <a:tint val="75000"/>
+                  </a:schemeClr>
+                </a:solidFill>
+                <a:latin typeface="+mn-lt"/>
+                <a:ea typeface="+mn-ea"/>
+                <a:cs typeface="+mn-cs"/>
+              </a:defRPr>
+            </a:lvl7pPr>
+            <a:lvl8pPr marL="3200400" indent="0" algn="l" defTabSz="914400" rtl="0" eaLnBrk="1" latinLnBrk="0" hangingPunct="1">
+              <a:lnSpc>
+                <a:spcPct val="90000"/>
+              </a:lnSpc>
+              <a:spcBef>
+                <a:spcPts val="500"/>
+              </a:spcBef>
+              <a:buFont typeface="Arial" panose="020B0604020202020204" pitchFamily="34" charset="0"/>
+              <a:buNone/>
+              <a:defRPr sz="1600" kern="1200">
+                <a:solidFill>
+                  <a:schemeClr val="tx1">
+                    <a:tint val="75000"/>
+                  </a:schemeClr>
+                </a:solidFill>
+                <a:latin typeface="+mn-lt"/>
+                <a:ea typeface="+mn-ea"/>
+                <a:cs typeface="+mn-cs"/>
+              </a:defRPr>
+            </a:lvl8pPr>
+            <a:lvl9pPr marL="3657600" indent="0" algn="l" defTabSz="914400" rtl="0" eaLnBrk="1" latinLnBrk="0" hangingPunct="1">
+              <a:lnSpc>
+                <a:spcPct val="90000"/>
+              </a:lnSpc>
+              <a:spcBef>
+                <a:spcPts val="500"/>
+              </a:spcBef>
+              <a:buFont typeface="Arial" panose="020B0604020202020204" pitchFamily="34" charset="0"/>
+              <a:buNone/>
+              <a:defRPr sz="1600" kern="1200">
+                <a:solidFill>
+                  <a:schemeClr val="tx1">
+                    <a:tint val="75000"/>
+                  </a:schemeClr>
+                </a:solidFill>
+                <a:latin typeface="+mn-lt"/>
+                <a:ea typeface="+mn-ea"/>
+                <a:cs typeface="+mn-cs"/>
+              </a:defRPr>
+            </a:lvl9pPr>
+          </a:lstStyle>
+          <a:p>
+            <a:r>
+              <a:rPr lang="en-GB" dirty="0"/>
+              <a:t>All visualisations can be found here: </a:t>
+            </a:r>
+            <a:r>
+              <a:rPr lang="en-GB" dirty="0">
+                <a:hlinkClick r:id="rId2"/>
+              </a:rPr>
+              <a:t>https://public.tableau.com/app/profile/asta.hansen/viz/MovieRental_16509979874880/GlobalCustomers?publish=yes</a:t>
+            </a:r>
+            <a:r>
+              <a:rPr lang="en-GB" dirty="0"/>
+              <a:t> </a:t>
+            </a:r>
+            <a:endParaRPr lang="en-US" dirty="0"/>
+          </a:p>
+        </p:txBody>
+      </p:sp>
+    </p:spTree>
+    <p:extLst>
+      <p:ext uri="{BB962C8B-B14F-4D97-AF65-F5344CB8AC3E}">
+        <p14:creationId xmlns:p14="http://schemas.microsoft.com/office/powerpoint/2010/main" val="1742861620"/>
+      </p:ext>
+    </p:extLst>
+  </p:cSld>
+  <p:clrMapOvr>
+    <a:masterClrMapping/>
+  </p:clrMapOvr>
+</p:sld>
+</file>
+
+<file path=ppt/slides/slide11.xml><?xml version="1.0" encoding="utf-8"?>
+<p:sld xmlns:a="http://schemas.openxmlformats.org/drawingml/2006/main" xmlns:r="http://schemas.openxmlformats.org/officeDocument/2006/relationships" xmlns:p="http://schemas.openxmlformats.org/presentationml/2006/main">
+  <p:cSld>
+    <p:spTree>
+      <p:nvGrpSpPr>
+        <p:cNvPr id="1" name=""/>
+        <p:cNvGrpSpPr/>
+        <p:nvPr/>
+      </p:nvGrpSpPr>
+      <p:grpSpPr>
+        <a:xfrm>
+          <a:off x="0" y="0"/>
+          <a:ext cx="0" cy="0"/>
+          <a:chOff x="0" y="0"/>
+          <a:chExt cx="0" cy="0"/>
+        </a:xfrm>
+      </p:grpSpPr>
+      <p:sp>
+        <p:nvSpPr>
+          <p:cNvPr id="2" name="Title 1">
+            <a:extLst>
+              <a:ext uri="{FF2B5EF4-FFF2-40B4-BE49-F238E27FC236}">
                 <a16:creationId xmlns:a16="http://schemas.microsoft.com/office/drawing/2014/main" id="{C4CA0637-CCAA-425E-A57A-6205AFDC8B8C}"/>
               </a:ext>
             </a:extLst>
@@ -10586,7 +11117,7 @@
             <a:fld id="{A49DFD55-3C28-40EF-9E31-A92D2E4017FF}" type="slidenum">
               <a:rPr lang="en-US" smtClean="0"/>
               <a:pPr/>
-              <a:t>10</a:t>
+              <a:t>11</a:t>
             </a:fld>
             <a:endParaRPr lang="en-US" dirty="0"/>
           </a:p>
@@ -10641,7 +11172,7 @@
         <p:spPr>
           <a:xfrm>
             <a:off x="1333500" y="1020445"/>
-            <a:ext cx="2895600" cy="1325563"/>
+            <a:ext cx="2895600" cy="1041620"/>
           </a:xfrm>
         </p:spPr>
         <p:txBody>
@@ -10673,8 +11204,8 @@
         </p:nvSpPr>
         <p:spPr>
           <a:xfrm>
-            <a:off x="1333500" y="2560281"/>
-            <a:ext cx="2895600" cy="3432174"/>
+            <a:off x="1333500" y="2164702"/>
+            <a:ext cx="2895600" cy="3827753"/>
           </a:xfrm>
         </p:spPr>
         <p:txBody>
@@ -10686,6 +11217,12 @@
             <a:r>
               <a:rPr lang="en-US" dirty="0"/>
               <a:t>Introduction</a:t>
+            </a:r>
+          </a:p>
+          <a:p>
+            <a:r>
+              <a:rPr lang="en-US" dirty="0"/>
+              <a:t>Film Performance</a:t>
             </a:r>
           </a:p>
           <a:p>
@@ -10889,7 +11426,7 @@
         </p:nvSpPr>
         <p:spPr>
           <a:xfrm>
-            <a:off x="3823736" y="1077652"/>
+            <a:off x="1407107" y="1497529"/>
             <a:ext cx="3023313" cy="497245"/>
           </a:xfrm>
         </p:spPr>
@@ -10922,19 +11459,40 @@
         </p:nvSpPr>
         <p:spPr>
           <a:xfrm>
-            <a:off x="3566396" y="1805892"/>
-            <a:ext cx="5111750" cy="3974456"/>
+            <a:off x="1267861" y="2263092"/>
+            <a:ext cx="5111750" cy="3437912"/>
           </a:xfrm>
         </p:spPr>
         <p:txBody>
           <a:bodyPr>
-            <a:normAutofit/>
+            <a:normAutofit lnSpcReduction="10000"/>
           </a:bodyPr>
           <a:lstStyle/>
           <a:p>
             <a:r>
               <a:rPr lang="en-US" dirty="0"/>
-              <a:t>Currently business model ​of movie rental is reliant on available inventory in the relevant store locations. </a:t>
+              <a:t>Amongst growing competition from streaming services, store-based video rental business has been declining. </a:t>
+            </a:r>
+          </a:p>
+          <a:p>
+            <a:r>
+              <a:rPr lang="en-US" dirty="0"/>
+              <a:t>In response we want to use our existing license catalogue for online rental.</a:t>
+            </a:r>
+          </a:p>
+          <a:p>
+            <a:r>
+              <a:rPr lang="en-US" dirty="0"/>
+              <a:t>We propose to look at the films’ performances, customer distribution and regional revenue to identify the strongest market and product portfolio for online rental.</a:t>
+            </a:r>
+          </a:p>
+          <a:p>
+            <a:endParaRPr lang="en-US" dirty="0"/>
+          </a:p>
+          <a:p>
+            <a:r>
+              <a:rPr lang="en-US" i="1" dirty="0"/>
+              <a:t>Current situation</a:t>
             </a:r>
           </a:p>
           <a:p>
@@ -10966,86 +11524,10 @@
               <a:rPr lang="en-US" b="1" dirty="0"/>
               <a:t>5 days</a:t>
             </a:r>
-          </a:p>
-          <a:p>
-            <a:endParaRPr lang="en-US" b="1" dirty="0"/>
-          </a:p>
-          <a:p>
-            <a:r>
-              <a:rPr lang="en-US" dirty="0"/>
-              <a:t>Telegraph Voyage is Although some genres appear more than once, there is no clear trend for a specific genre in</a:t>
-            </a:r>
-            <a:br>
-              <a:rPr lang="en-US" dirty="0"/>
-            </a:br>
-            <a:r>
-              <a:rPr lang="en-US" dirty="0"/>
-              <a:t>the best and worst performing films.</a:t>
-            </a:r>
-          </a:p>
-          <a:p>
-            <a:r>
-              <a:rPr lang="en-US" dirty="0"/>
-              <a:t>However, the difference between the revenue the </a:t>
-            </a:r>
-            <a:br>
-              <a:rPr lang="en-US" dirty="0"/>
-            </a:br>
-            <a:r>
-              <a:rPr lang="en-US" dirty="0"/>
-              <a:t>top 10 versus the bottom 10 generate is quite </a:t>
-            </a:r>
-            <a:br>
-              <a:rPr lang="en-US" dirty="0"/>
-            </a:br>
-            <a:r>
-              <a:rPr lang="en-US" dirty="0"/>
-              <a:t>significant. More focus should be given to the top performing films.</a:t>
-            </a:r>
-            <a:br>
-              <a:rPr lang="en-US" dirty="0"/>
-            </a:br>
             <a:endParaRPr lang="en-US" dirty="0"/>
           </a:p>
           <a:p>
             <a:endParaRPr lang="en-US" dirty="0"/>
-          </a:p>
-          <a:p>
-            <a:endParaRPr lang="en-US" dirty="0"/>
-          </a:p>
-        </p:txBody>
-      </p:sp>
-      <p:sp>
-        <p:nvSpPr>
-          <p:cNvPr id="5" name="Footer Placeholder 4">
-            <a:extLst>
-              <a:ext uri="{FF2B5EF4-FFF2-40B4-BE49-F238E27FC236}">
-                <a16:creationId xmlns:a16="http://schemas.microsoft.com/office/drawing/2014/main" id="{8D51ED20-04D4-4894-B0C2-9C541A61A734}"/>
-              </a:ext>
-            </a:extLst>
-          </p:cNvPr>
-          <p:cNvSpPr>
-            <a:spLocks noGrp="1"/>
-          </p:cNvSpPr>
-          <p:nvPr>
-            <p:ph type="ftr" sz="quarter" idx="11"/>
-          </p:nvPr>
-        </p:nvSpPr>
-        <p:spPr>
-          <a:xfrm>
-            <a:off x="737118" y="5849644"/>
-            <a:ext cx="2593912" cy="365125"/>
-          </a:xfrm>
-        </p:spPr>
-        <p:txBody>
-          <a:bodyPr/>
-          <a:lstStyle/>
-          <a:p>
-            <a:pPr algn="l"/>
-            <a:r>
-              <a:rPr lang="en-US" sz="1100" dirty="0"/>
-              <a:t>10 best and worst performing films for revenue</a:t>
-            </a:r>
           </a:p>
         </p:txBody>
       </p:sp>
@@ -11084,36 +11566,6 @@
           </a:p>
         </p:txBody>
       </p:sp>
-      <p:pic>
-        <p:nvPicPr>
-          <p:cNvPr id="7" name="Picture 6">
-            <a:extLst>
-              <a:ext uri="{FF2B5EF4-FFF2-40B4-BE49-F238E27FC236}">
-                <a16:creationId xmlns:a16="http://schemas.microsoft.com/office/drawing/2014/main" id="{3916A7BE-BF7D-79DB-D2B1-7A295E8D368A}"/>
-              </a:ext>
-            </a:extLst>
-          </p:cNvPr>
-          <p:cNvPicPr>
-            <a:picLocks noChangeAspect="1"/>
-          </p:cNvPicPr>
-          <p:nvPr/>
-        </p:nvPicPr>
-        <p:blipFill>
-          <a:blip r:embed="rId2"/>
-          <a:stretch>
-            <a:fillRect/>
-          </a:stretch>
-        </p:blipFill>
-        <p:spPr>
-          <a:xfrm>
-            <a:off x="639053" y="1805892"/>
-            <a:ext cx="2927343" cy="4088468"/>
-          </a:xfrm>
-          <a:prstGeom prst="rect">
-            <a:avLst/>
-          </a:prstGeom>
-        </p:spPr>
-      </p:pic>
     </p:spTree>
     <p:extLst>
       <p:ext uri="{BB962C8B-B14F-4D97-AF65-F5344CB8AC3E}">
@@ -11149,7 +11601,7 @@
           <p:cNvPr id="2" name="Title 1">
             <a:extLst>
               <a:ext uri="{FF2B5EF4-FFF2-40B4-BE49-F238E27FC236}">
-                <a16:creationId xmlns:a16="http://schemas.microsoft.com/office/drawing/2014/main" id="{B70570AC-062D-35A1-DE77-EB5324B99B36}"/>
+                <a16:creationId xmlns:a16="http://schemas.microsoft.com/office/drawing/2014/main" id="{7CEB2E52-E8A5-15BA-B8ED-C09D7B9AD20C}"/>
               </a:ext>
             </a:extLst>
           </p:cNvPr>
@@ -11162,8 +11614,8 @@
         </p:nvSpPr>
         <p:spPr>
           <a:xfrm>
-            <a:off x="2449558" y="267027"/>
-            <a:ext cx="6429701" cy="630844"/>
+            <a:off x="3051110" y="643231"/>
+            <a:ext cx="4502798" cy="593306"/>
           </a:xfrm>
         </p:spPr>
         <p:txBody>
@@ -11172,17 +11624,17 @@
           <a:p>
             <a:r>
               <a:rPr lang="en-GB" dirty="0"/>
-              <a:t>Film genres</a:t>
-            </a:r>
-          </a:p>
-        </p:txBody>
-      </p:sp>
-      <p:sp>
-        <p:nvSpPr>
-          <p:cNvPr id="11" name="Slide Number Placeholder 10">
-            <a:extLst>
-              <a:ext uri="{FF2B5EF4-FFF2-40B4-BE49-F238E27FC236}">
-                <a16:creationId xmlns:a16="http://schemas.microsoft.com/office/drawing/2014/main" id="{4FA0151D-97B7-5858-A6DE-E1F2B6B8C9A6}"/>
+              <a:t>FILM PERFORMANCE</a:t>
+            </a:r>
+          </a:p>
+        </p:txBody>
+      </p:sp>
+      <p:sp>
+        <p:nvSpPr>
+          <p:cNvPr id="17" name="Slide Number Placeholder 16">
+            <a:extLst>
+              <a:ext uri="{FF2B5EF4-FFF2-40B4-BE49-F238E27FC236}">
+                <a16:creationId xmlns:a16="http://schemas.microsoft.com/office/drawing/2014/main" id="{410C65D3-521F-D90E-258D-8F8FBE16604A}"/>
               </a:ext>
             </a:extLst>
           </p:cNvPr>
@@ -11202,6 +11654,208 @@
               <a:rPr lang="en-US" smtClean="0"/>
               <a:pPr/>
               <a:t>4</a:t>
+            </a:fld>
+            <a:endParaRPr lang="en-US" dirty="0"/>
+          </a:p>
+        </p:txBody>
+      </p:sp>
+      <p:sp>
+        <p:nvSpPr>
+          <p:cNvPr id="18" name="Footer Placeholder 4">
+            <a:extLst>
+              <a:ext uri="{FF2B5EF4-FFF2-40B4-BE49-F238E27FC236}">
+                <a16:creationId xmlns:a16="http://schemas.microsoft.com/office/drawing/2014/main" id="{DAB59256-1217-D45B-C8D3-0A8DC4075498}"/>
+              </a:ext>
+            </a:extLst>
+          </p:cNvPr>
+          <p:cNvSpPr>
+            <a:spLocks noGrp="1"/>
+          </p:cNvSpPr>
+          <p:nvPr>
+            <p:ph type="ftr" sz="quarter" idx="11"/>
+          </p:nvPr>
+        </p:nvSpPr>
+        <p:spPr>
+          <a:xfrm>
+            <a:off x="2234588" y="5768666"/>
+            <a:ext cx="2691977" cy="365125"/>
+          </a:xfrm>
+        </p:spPr>
+        <p:txBody>
+          <a:bodyPr/>
+          <a:lstStyle/>
+          <a:p>
+            <a:pPr algn="l"/>
+            <a:r>
+              <a:rPr lang="en-US" sz="1100" dirty="0"/>
+              <a:t>10 best and worst performing films for revenue</a:t>
+            </a:r>
+          </a:p>
+        </p:txBody>
+      </p:sp>
+      <p:pic>
+        <p:nvPicPr>
+          <p:cNvPr id="19" name="Picture 18">
+            <a:extLst>
+              <a:ext uri="{FF2B5EF4-FFF2-40B4-BE49-F238E27FC236}">
+                <a16:creationId xmlns:a16="http://schemas.microsoft.com/office/drawing/2014/main" id="{68802912-5010-F185-4F3C-B8B58723FE09}"/>
+              </a:ext>
+            </a:extLst>
+          </p:cNvPr>
+          <p:cNvPicPr>
+            <a:picLocks noChangeAspect="1"/>
+          </p:cNvPicPr>
+          <p:nvPr/>
+        </p:nvPicPr>
+        <p:blipFill>
+          <a:blip r:embed="rId2"/>
+          <a:stretch>
+            <a:fillRect/>
+          </a:stretch>
+        </p:blipFill>
+        <p:spPr>
+          <a:xfrm>
+            <a:off x="2234588" y="1724914"/>
+            <a:ext cx="2927343" cy="4088468"/>
+          </a:xfrm>
+          <a:prstGeom prst="rect">
+            <a:avLst/>
+          </a:prstGeom>
+        </p:spPr>
+      </p:pic>
+      <p:sp>
+        <p:nvSpPr>
+          <p:cNvPr id="21" name="TextBox 20">
+            <a:extLst>
+              <a:ext uri="{FF2B5EF4-FFF2-40B4-BE49-F238E27FC236}">
+                <a16:creationId xmlns:a16="http://schemas.microsoft.com/office/drawing/2014/main" id="{D33E395B-C584-A359-A955-82F588D480B2}"/>
+              </a:ext>
+            </a:extLst>
+          </p:cNvPr>
+          <p:cNvSpPr txBox="1"/>
+          <p:nvPr/>
+        </p:nvSpPr>
+        <p:spPr>
+          <a:xfrm>
+            <a:off x="5498841" y="2665264"/>
+            <a:ext cx="3938248" cy="2554545"/>
+          </a:xfrm>
+          <a:prstGeom prst="rect">
+            <a:avLst/>
+          </a:prstGeom>
+          <a:noFill/>
+        </p:spPr>
+        <p:txBody>
+          <a:bodyPr wrap="square">
+            <a:spAutoFit/>
+          </a:bodyPr>
+          <a:lstStyle/>
+          <a:p>
+            <a:r>
+              <a:rPr lang="en-US" sz="1600" dirty="0"/>
+              <a:t>Although some genres appear more than once, there is no clear trend for a specific genre in the best and worst performing films.</a:t>
+            </a:r>
+          </a:p>
+          <a:p>
+            <a:endParaRPr lang="en-US" sz="1600" dirty="0"/>
+          </a:p>
+          <a:p>
+            <a:r>
+              <a:rPr lang="en-US" sz="1600" dirty="0"/>
+              <a:t>However, the difference between the revenue the top 10 versus the bottom 10 generate is quite significant. More focus should be given to the top performing films.</a:t>
+            </a:r>
+            <a:endParaRPr lang="en-GB" sz="1600" dirty="0"/>
+          </a:p>
+        </p:txBody>
+      </p:sp>
+    </p:spTree>
+    <p:extLst>
+      <p:ext uri="{BB962C8B-B14F-4D97-AF65-F5344CB8AC3E}">
+        <p14:creationId xmlns:p14="http://schemas.microsoft.com/office/powerpoint/2010/main" val="4202399730"/>
+      </p:ext>
+    </p:extLst>
+  </p:cSld>
+  <p:clrMapOvr>
+    <a:masterClrMapping/>
+  </p:clrMapOvr>
+</p:sld>
+</file>
+
+<file path=ppt/slides/slide5.xml><?xml version="1.0" encoding="utf-8"?>
+<p:sld xmlns:a="http://schemas.openxmlformats.org/drawingml/2006/main" xmlns:r="http://schemas.openxmlformats.org/officeDocument/2006/relationships" xmlns:p="http://schemas.openxmlformats.org/presentationml/2006/main">
+  <p:cSld>
+    <p:spTree>
+      <p:nvGrpSpPr>
+        <p:cNvPr id="1" name=""/>
+        <p:cNvGrpSpPr/>
+        <p:nvPr/>
+      </p:nvGrpSpPr>
+      <p:grpSpPr>
+        <a:xfrm>
+          <a:off x="0" y="0"/>
+          <a:ext cx="0" cy="0"/>
+          <a:chOff x="0" y="0"/>
+          <a:chExt cx="0" cy="0"/>
+        </a:xfrm>
+      </p:grpSpPr>
+      <p:sp>
+        <p:nvSpPr>
+          <p:cNvPr id="2" name="Title 1">
+            <a:extLst>
+              <a:ext uri="{FF2B5EF4-FFF2-40B4-BE49-F238E27FC236}">
+                <a16:creationId xmlns:a16="http://schemas.microsoft.com/office/drawing/2014/main" id="{B70570AC-062D-35A1-DE77-EB5324B99B36}"/>
+              </a:ext>
+            </a:extLst>
+          </p:cNvPr>
+          <p:cNvSpPr>
+            <a:spLocks noGrp="1"/>
+          </p:cNvSpPr>
+          <p:nvPr>
+            <p:ph type="title"/>
+          </p:nvPr>
+        </p:nvSpPr>
+        <p:spPr>
+          <a:xfrm>
+            <a:off x="2449558" y="267027"/>
+            <a:ext cx="6429701" cy="630844"/>
+          </a:xfrm>
+        </p:spPr>
+        <p:txBody>
+          <a:bodyPr/>
+          <a:lstStyle/>
+          <a:p>
+            <a:r>
+              <a:rPr lang="en-GB" dirty="0"/>
+              <a:t>Film genres</a:t>
+            </a:r>
+          </a:p>
+        </p:txBody>
+      </p:sp>
+      <p:sp>
+        <p:nvSpPr>
+          <p:cNvPr id="11" name="Slide Number Placeholder 10">
+            <a:extLst>
+              <a:ext uri="{FF2B5EF4-FFF2-40B4-BE49-F238E27FC236}">
+                <a16:creationId xmlns:a16="http://schemas.microsoft.com/office/drawing/2014/main" id="{4FA0151D-97B7-5858-A6DE-E1F2B6B8C9A6}"/>
+              </a:ext>
+            </a:extLst>
+          </p:cNvPr>
+          <p:cNvSpPr>
+            <a:spLocks noGrp="1"/>
+          </p:cNvSpPr>
+          <p:nvPr>
+            <p:ph type="sldNum" sz="quarter" idx="12"/>
+          </p:nvPr>
+        </p:nvSpPr>
+        <p:spPr/>
+        <p:txBody>
+          <a:bodyPr/>
+          <a:lstStyle/>
+          <a:p>
+            <a:fld id="{A49DFD55-3C28-40EF-9E31-A92D2E4017FF}" type="slidenum">
+              <a:rPr lang="en-US" smtClean="0"/>
+              <a:pPr/>
+              <a:t>5</a:t>
             </a:fld>
             <a:endParaRPr lang="en-US" dirty="0"/>
           </a:p>
@@ -11581,7 +12235,7 @@
 </p:sld>
 </file>
 
-<file path=ppt/slides/slide5.xml><?xml version="1.0" encoding="utf-8"?>
+<file path=ppt/slides/slide6.xml><?xml version="1.0" encoding="utf-8"?>
 <p:sld xmlns:a="http://schemas.openxmlformats.org/drawingml/2006/main" xmlns:r="http://schemas.openxmlformats.org/officeDocument/2006/relationships" xmlns:p="http://schemas.openxmlformats.org/presentationml/2006/main">
   <p:cSld>
     <p:spTree>
@@ -11655,7 +12309,7 @@
             <a:fld id="{A49DFD55-3C28-40EF-9E31-A92D2E4017FF}" type="slidenum">
               <a:rPr lang="en-US" smtClean="0"/>
               <a:pPr/>
-              <a:t>5</a:t>
+              <a:t>6</a:t>
             </a:fld>
             <a:endParaRPr lang="en-US" dirty="0"/>
           </a:p>
@@ -11933,7 +12587,7 @@
 </p:sld>
 </file>
 
-<file path=ppt/slides/slide6.xml><?xml version="1.0" encoding="utf-8"?>
+<file path=ppt/slides/slide7.xml><?xml version="1.0" encoding="utf-8"?>
 <p:sld xmlns:a="http://schemas.openxmlformats.org/drawingml/2006/main" xmlns:r="http://schemas.openxmlformats.org/officeDocument/2006/relationships" xmlns:p="http://schemas.openxmlformats.org/presentationml/2006/main">
   <p:cSld>
     <p:spTree>
@@ -12012,7 +12666,7 @@
             <a:fld id="{A49DFD55-3C28-40EF-9E31-A92D2E4017FF}" type="slidenum">
               <a:rPr lang="en-US" smtClean="0"/>
               <a:pPr/>
-              <a:t>6</a:t>
+              <a:t>7</a:t>
             </a:fld>
             <a:endParaRPr lang="en-US" dirty="0"/>
           </a:p>
@@ -12312,188 +12966,6 @@
 </p:sld>
 </file>
 
-<file path=ppt/slides/slide7.xml><?xml version="1.0" encoding="utf-8"?>
-<p:sld xmlns:a="http://schemas.openxmlformats.org/drawingml/2006/main" xmlns:r="http://schemas.openxmlformats.org/officeDocument/2006/relationships" xmlns:p="http://schemas.openxmlformats.org/presentationml/2006/main">
-  <p:cSld>
-    <p:spTree>
-      <p:nvGrpSpPr>
-        <p:cNvPr id="1" name=""/>
-        <p:cNvGrpSpPr/>
-        <p:nvPr/>
-      </p:nvGrpSpPr>
-      <p:grpSpPr>
-        <a:xfrm>
-          <a:off x="0" y="0"/>
-          <a:ext cx="0" cy="0"/>
-          <a:chOff x="0" y="0"/>
-          <a:chExt cx="0" cy="0"/>
-        </a:xfrm>
-      </p:grpSpPr>
-      <p:sp>
-        <p:nvSpPr>
-          <p:cNvPr id="11" name="Text Placeholder 10">
-            <a:extLst>
-              <a:ext uri="{FF2B5EF4-FFF2-40B4-BE49-F238E27FC236}">
-                <a16:creationId xmlns:a16="http://schemas.microsoft.com/office/drawing/2014/main" id="{DB420882-1CC0-49B4-8DDE-24EC26687506}"/>
-              </a:ext>
-            </a:extLst>
-          </p:cNvPr>
-          <p:cNvSpPr>
-            <a:spLocks noGrp="1"/>
-          </p:cNvSpPr>
-          <p:nvPr>
-            <p:ph type="body" idx="21"/>
-          </p:nvPr>
-        </p:nvSpPr>
-        <p:spPr>
-          <a:xfrm>
-            <a:off x="9697292" y="758317"/>
-            <a:ext cx="1845511" cy="5317364"/>
-          </a:xfrm>
-        </p:spPr>
-        <p:txBody>
-          <a:bodyPr/>
-          <a:lstStyle/>
-          <a:p>
-            <a:pPr algn="l"/>
-            <a:r>
-              <a:rPr lang="en-US" sz="1600" dirty="0">
-                <a:latin typeface="Tableau Book"/>
-              </a:rPr>
-              <a:t>For the most part revenue in each country follows the number of customers. </a:t>
-            </a:r>
-          </a:p>
-          <a:p>
-            <a:pPr algn="l"/>
-            <a:r>
-              <a:rPr lang="en-US" sz="1600" dirty="0">
-                <a:latin typeface="Tableau Book"/>
-              </a:rPr>
-              <a:t>With India and China leading the revenue table. Followed by the US, Mexico and Brazil.</a:t>
-            </a:r>
-          </a:p>
-          <a:p>
-            <a:pPr algn="l"/>
-            <a:r>
-              <a:rPr lang="en-US" sz="1600" dirty="0">
-                <a:latin typeface="Tableau Book"/>
-              </a:rPr>
-              <a:t>Number of customers could therefore be used as a good indicator of potential revenue.</a:t>
-            </a:r>
-          </a:p>
-        </p:txBody>
-      </p:sp>
-      <p:sp>
-        <p:nvSpPr>
-          <p:cNvPr id="25" name="Slide Number Placeholder 24">
-            <a:extLst>
-              <a:ext uri="{FF2B5EF4-FFF2-40B4-BE49-F238E27FC236}">
-                <a16:creationId xmlns:a16="http://schemas.microsoft.com/office/drawing/2014/main" id="{148E9129-4CC6-47BA-ACD8-2C632A8660EC}"/>
-              </a:ext>
-            </a:extLst>
-          </p:cNvPr>
-          <p:cNvSpPr>
-            <a:spLocks noGrp="1"/>
-          </p:cNvSpPr>
-          <p:nvPr>
-            <p:ph type="sldNum" sz="quarter" idx="12"/>
-          </p:nvPr>
-        </p:nvSpPr>
-        <p:spPr>
-          <a:xfrm>
-            <a:off x="8610600" y="6356350"/>
-            <a:ext cx="2743200" cy="365125"/>
-          </a:xfrm>
-        </p:spPr>
-        <p:txBody>
-          <a:bodyPr/>
-          <a:lstStyle/>
-          <a:p>
-            <a:fld id="{A49DFD55-3C28-40EF-9E31-A92D2E4017FF}" type="slidenum">
-              <a:rPr lang="en-US" smtClean="0"/>
-              <a:pPr/>
-              <a:t>7</a:t>
-            </a:fld>
-            <a:endParaRPr lang="en-US" dirty="0"/>
-          </a:p>
-        </p:txBody>
-      </p:sp>
-      <p:pic>
-        <p:nvPicPr>
-          <p:cNvPr id="43" name="Picture 42">
-            <a:extLst>
-              <a:ext uri="{FF2B5EF4-FFF2-40B4-BE49-F238E27FC236}">
-                <a16:creationId xmlns:a16="http://schemas.microsoft.com/office/drawing/2014/main" id="{46E7606F-F2D5-02CA-51CA-FA23F44A537B}"/>
-              </a:ext>
-            </a:extLst>
-          </p:cNvPr>
-          <p:cNvPicPr>
-            <a:picLocks noChangeAspect="1"/>
-          </p:cNvPicPr>
-          <p:nvPr/>
-        </p:nvPicPr>
-        <p:blipFill>
-          <a:blip r:embed="rId2"/>
-          <a:stretch>
-            <a:fillRect/>
-          </a:stretch>
-        </p:blipFill>
-        <p:spPr>
-          <a:xfrm>
-            <a:off x="243840" y="758316"/>
-            <a:ext cx="9294384" cy="6099684"/>
-          </a:xfrm>
-          <a:prstGeom prst="rect">
-            <a:avLst/>
-          </a:prstGeom>
-        </p:spPr>
-      </p:pic>
-      <p:sp>
-        <p:nvSpPr>
-          <p:cNvPr id="44" name="Title 1">
-            <a:extLst>
-              <a:ext uri="{FF2B5EF4-FFF2-40B4-BE49-F238E27FC236}">
-                <a16:creationId xmlns:a16="http://schemas.microsoft.com/office/drawing/2014/main" id="{53650EDD-7B65-128F-06D2-D66CFEC53063}"/>
-              </a:ext>
-            </a:extLst>
-          </p:cNvPr>
-          <p:cNvSpPr>
-            <a:spLocks noGrp="1"/>
-          </p:cNvSpPr>
-          <p:nvPr>
-            <p:ph type="title"/>
-          </p:nvPr>
-        </p:nvSpPr>
-        <p:spPr>
-          <a:xfrm>
-            <a:off x="1322490" y="57276"/>
-            <a:ext cx="6082348" cy="701040"/>
-          </a:xfrm>
-        </p:spPr>
-        <p:txBody>
-          <a:bodyPr/>
-          <a:lstStyle/>
-          <a:p>
-            <a:r>
-              <a:rPr lang="en-US" dirty="0"/>
-              <a:t>Local Revenue</a:t>
-            </a:r>
-          </a:p>
-        </p:txBody>
-      </p:sp>
-    </p:spTree>
-    <p:extLst>
-      <p:ext uri="{BB962C8B-B14F-4D97-AF65-F5344CB8AC3E}">
-        <p14:creationId xmlns:p14="http://schemas.microsoft.com/office/powerpoint/2010/main" val="2619301236"/>
-      </p:ext>
-    </p:extLst>
-  </p:cSld>
-  <p:clrMapOvr>
-    <a:masterClrMapping/>
-  </p:clrMapOvr>
-</p:sld>
-</file>
-
 <file path=ppt/slides/slide8.xml><?xml version="1.0" encoding="utf-8"?>
 <p:sld xmlns:a="http://schemas.openxmlformats.org/drawingml/2006/main" xmlns:r="http://schemas.openxmlformats.org/officeDocument/2006/relationships" xmlns:p="http://schemas.openxmlformats.org/presentationml/2006/main">
   <p:cSld>
@@ -12513,173 +12985,99 @@
       </p:grpSpPr>
       <p:sp>
         <p:nvSpPr>
-          <p:cNvPr id="51" name="Title 1">
-            <a:extLst>
-              <a:ext uri="{FF2B5EF4-FFF2-40B4-BE49-F238E27FC236}">
-                <a16:creationId xmlns:a16="http://schemas.microsoft.com/office/drawing/2014/main" id="{3A89C75C-3781-2E24-F01C-AA40C7E6A15A}"/>
-              </a:ext>
-            </a:extLst>
-          </p:cNvPr>
-          <p:cNvSpPr>
-            <a:spLocks noGrp="1"/>
-          </p:cNvSpPr>
-          <p:nvPr>
-            <p:ph type="title"/>
-          </p:nvPr>
-        </p:nvSpPr>
-        <p:spPr>
-          <a:xfrm>
-            <a:off x="3581400" y="526417"/>
-            <a:ext cx="5511324" cy="814703"/>
+          <p:cNvPr id="11" name="Text Placeholder 10">
+            <a:extLst>
+              <a:ext uri="{FF2B5EF4-FFF2-40B4-BE49-F238E27FC236}">
+                <a16:creationId xmlns:a16="http://schemas.microsoft.com/office/drawing/2014/main" id="{DB420882-1CC0-49B4-8DDE-24EC26687506}"/>
+              </a:ext>
+            </a:extLst>
+          </p:cNvPr>
+          <p:cNvSpPr>
+            <a:spLocks noGrp="1"/>
+          </p:cNvSpPr>
+          <p:nvPr>
+            <p:ph type="body" idx="21"/>
+          </p:nvPr>
+        </p:nvSpPr>
+        <p:spPr>
+          <a:xfrm>
+            <a:off x="9697292" y="758317"/>
+            <a:ext cx="1845511" cy="5317364"/>
           </a:xfrm>
         </p:spPr>
         <p:txBody>
           <a:bodyPr/>
           <a:lstStyle/>
           <a:p>
-            <a:r>
-              <a:rPr lang="en-US" dirty="0"/>
-              <a:t>Regional Revenue</a:t>
-            </a:r>
-          </a:p>
-        </p:txBody>
-      </p:sp>
-      <p:sp>
-        <p:nvSpPr>
-          <p:cNvPr id="46" name="Text Placeholder 13">
-            <a:extLst>
-              <a:ext uri="{FF2B5EF4-FFF2-40B4-BE49-F238E27FC236}">
-                <a16:creationId xmlns:a16="http://schemas.microsoft.com/office/drawing/2014/main" id="{607B1B73-910A-6B2F-748F-CB76D13645DF}"/>
-              </a:ext>
-            </a:extLst>
-          </p:cNvPr>
-          <p:cNvSpPr>
-            <a:spLocks noGrp="1"/>
-          </p:cNvSpPr>
-          <p:nvPr>
-            <p:ph sz="half" idx="2"/>
-          </p:nvPr>
-        </p:nvSpPr>
-        <p:spPr>
-          <a:xfrm>
-            <a:off x="1090704" y="1461352"/>
-            <a:ext cx="1682976" cy="4541619"/>
-          </a:xfrm>
-        </p:spPr>
-        <p:txBody>
-          <a:bodyPr>
-            <a:normAutofit/>
-          </a:bodyPr>
-          <a:lstStyle/>
-          <a:p>
-            <a:r>
-              <a:rPr lang="en-GB" sz="1600" dirty="0">
-                <a:effectLst/>
-                <a:latin typeface="Tableau Book"/>
-              </a:rPr>
-              <a:t>As the high number of customers suggest Asia by far generates the highest revenue overall.</a:t>
-            </a:r>
-          </a:p>
-          <a:p>
+            <a:pPr algn="l"/>
             <a:r>
               <a:rPr lang="en-US" sz="1600" dirty="0">
                 <a:latin typeface="Tableau Book"/>
               </a:rPr>
-              <a:t>For the remaining regions, the size of revenue is relatively similar and also in line with their customer numbers.</a:t>
-            </a:r>
-          </a:p>
-        </p:txBody>
-      </p:sp>
-      <p:sp>
-        <p:nvSpPr>
-          <p:cNvPr id="63" name="Footer Placeholder 9">
-            <a:extLst>
-              <a:ext uri="{FF2B5EF4-FFF2-40B4-BE49-F238E27FC236}">
-                <a16:creationId xmlns:a16="http://schemas.microsoft.com/office/drawing/2014/main" id="{A6608E75-5E27-5F91-1C8D-93544AA3423B}"/>
-              </a:ext>
-            </a:extLst>
-          </p:cNvPr>
-          <p:cNvSpPr>
-            <a:spLocks noGrp="1"/>
-          </p:cNvSpPr>
-          <p:nvPr>
-            <p:ph type="ftr" sz="quarter" idx="11"/>
-          </p:nvPr>
-        </p:nvSpPr>
-        <p:spPr>
-          <a:xfrm>
-            <a:off x="3139440" y="6123205"/>
-            <a:ext cx="4114800" cy="365125"/>
+              <a:t>For the most part revenue in each country follows the number of customers. </a:t>
+            </a:r>
+          </a:p>
+          <a:p>
+            <a:pPr algn="l"/>
+            <a:r>
+              <a:rPr lang="en-US" sz="1600" dirty="0">
+                <a:latin typeface="Tableau Book"/>
+              </a:rPr>
+              <a:t>With India and China leading the revenue table. Followed by the US, Mexico and Brazil.</a:t>
+            </a:r>
+          </a:p>
+          <a:p>
+            <a:pPr algn="l"/>
+            <a:r>
+              <a:rPr lang="en-US" sz="1600" dirty="0">
+                <a:latin typeface="Tableau Book"/>
+              </a:rPr>
+              <a:t>Number of customers could therefore be used as a good indicator of potential revenue.</a:t>
+            </a:r>
+          </a:p>
+        </p:txBody>
+      </p:sp>
+      <p:sp>
+        <p:nvSpPr>
+          <p:cNvPr id="25" name="Slide Number Placeholder 24">
+            <a:extLst>
+              <a:ext uri="{FF2B5EF4-FFF2-40B4-BE49-F238E27FC236}">
+                <a16:creationId xmlns:a16="http://schemas.microsoft.com/office/drawing/2014/main" id="{148E9129-4CC6-47BA-ACD8-2C632A8660EC}"/>
+              </a:ext>
+            </a:extLst>
+          </p:cNvPr>
+          <p:cNvSpPr>
+            <a:spLocks noGrp="1"/>
+          </p:cNvSpPr>
+          <p:nvPr>
+            <p:ph type="sldNum" sz="quarter" idx="12"/>
+          </p:nvPr>
+        </p:nvSpPr>
+        <p:spPr>
+          <a:xfrm>
+            <a:off x="8610600" y="6356350"/>
+            <a:ext cx="2743200" cy="365125"/>
           </a:xfrm>
         </p:spPr>
         <p:txBody>
           <a:bodyPr/>
           <a:lstStyle/>
           <a:p>
-            <a:pPr algn="l">
-              <a:spcAft>
-                <a:spcPts val="600"/>
-              </a:spcAft>
-            </a:pPr>
-            <a:r>
-              <a:rPr lang="en-US" sz="1100" dirty="0"/>
-              <a:t>Revenue for each global region</a:t>
-            </a:r>
-          </a:p>
-        </p:txBody>
-      </p:sp>
-      <p:sp>
-        <p:nvSpPr>
-          <p:cNvPr id="6" name="Slide Number Placeholder 5">
-            <a:extLst>
-              <a:ext uri="{FF2B5EF4-FFF2-40B4-BE49-F238E27FC236}">
-                <a16:creationId xmlns:a16="http://schemas.microsoft.com/office/drawing/2014/main" id="{F2A39FA3-9AE3-4689-A469-B7D2DFCCC2D9}"/>
-              </a:ext>
-            </a:extLst>
-          </p:cNvPr>
-          <p:cNvSpPr>
-            <a:spLocks noGrp="1"/>
-          </p:cNvSpPr>
-          <p:nvPr>
-            <p:ph type="sldNum" sz="quarter" idx="12"/>
-          </p:nvPr>
-        </p:nvSpPr>
-        <p:spPr>
-          <a:xfrm>
-            <a:off x="8610600" y="6356350"/>
-            <a:ext cx="2743200" cy="365125"/>
-          </a:xfrm>
-        </p:spPr>
-        <p:txBody>
-          <a:bodyPr anchor="ctr">
-            <a:normAutofit/>
-          </a:bodyPr>
-          <a:lstStyle/>
-          <a:p>
-            <a:pPr>
-              <a:spcAft>
-                <a:spcPts val="600"/>
-              </a:spcAft>
-            </a:pPr>
             <a:fld id="{A49DFD55-3C28-40EF-9E31-A92D2E4017FF}" type="slidenum">
               <a:rPr lang="en-US" smtClean="0"/>
-              <a:pPr>
-                <a:spcAft>
-                  <a:spcPts val="600"/>
-                </a:spcAft>
-              </a:pPr>
+              <a:pPr/>
               <a:t>8</a:t>
             </a:fld>
-            <a:endParaRPr lang="en-US"/>
+            <a:endParaRPr lang="en-US" dirty="0"/>
           </a:p>
         </p:txBody>
       </p:sp>
       <p:pic>
         <p:nvPicPr>
-          <p:cNvPr id="31" name="Picture 30">
-            <a:extLst>
-              <a:ext uri="{FF2B5EF4-FFF2-40B4-BE49-F238E27FC236}">
-                <a16:creationId xmlns:a16="http://schemas.microsoft.com/office/drawing/2014/main" id="{14EFF8CF-6CB2-22AC-CE11-D299BD82AACC}"/>
+          <p:cNvPr id="43" name="Picture 42">
+            <a:extLst>
+              <a:ext uri="{FF2B5EF4-FFF2-40B4-BE49-F238E27FC236}">
+                <a16:creationId xmlns:a16="http://schemas.microsoft.com/office/drawing/2014/main" id="{46E7606F-F2D5-02CA-51CA-FA23F44A537B}"/>
               </a:ext>
             </a:extLst>
           </p:cNvPr>
@@ -12696,18 +13094,51 @@
         </p:blipFill>
         <p:spPr>
           <a:xfrm>
-            <a:off x="3139440" y="1461353"/>
-            <a:ext cx="8585201" cy="4541619"/>
+            <a:off x="243840" y="758316"/>
+            <a:ext cx="9294384" cy="6099684"/>
           </a:xfrm>
           <a:prstGeom prst="rect">
             <a:avLst/>
           </a:prstGeom>
         </p:spPr>
       </p:pic>
+      <p:sp>
+        <p:nvSpPr>
+          <p:cNvPr id="44" name="Title 1">
+            <a:extLst>
+              <a:ext uri="{FF2B5EF4-FFF2-40B4-BE49-F238E27FC236}">
+                <a16:creationId xmlns:a16="http://schemas.microsoft.com/office/drawing/2014/main" id="{53650EDD-7B65-128F-06D2-D66CFEC53063}"/>
+              </a:ext>
+            </a:extLst>
+          </p:cNvPr>
+          <p:cNvSpPr>
+            <a:spLocks noGrp="1"/>
+          </p:cNvSpPr>
+          <p:nvPr>
+            <p:ph type="title"/>
+          </p:nvPr>
+        </p:nvSpPr>
+        <p:spPr>
+          <a:xfrm>
+            <a:off x="1322490" y="57276"/>
+            <a:ext cx="6082348" cy="701040"/>
+          </a:xfrm>
+        </p:spPr>
+        <p:txBody>
+          <a:bodyPr/>
+          <a:lstStyle/>
+          <a:p>
+            <a:r>
+              <a:rPr lang="en-US" dirty="0"/>
+              <a:t>Local Revenue</a:t>
+            </a:r>
+          </a:p>
+        </p:txBody>
+      </p:sp>
     </p:spTree>
     <p:extLst>
       <p:ext uri="{BB962C8B-B14F-4D97-AF65-F5344CB8AC3E}">
-        <p14:creationId xmlns:p14="http://schemas.microsoft.com/office/powerpoint/2010/main" val="744379741"/>
+        <p14:creationId xmlns:p14="http://schemas.microsoft.com/office/powerpoint/2010/main" val="2619301236"/>
       </p:ext>
     </p:extLst>
   </p:cSld>
@@ -12736,10 +13167,10 @@
       </p:grpSpPr>
       <p:sp>
         <p:nvSpPr>
-          <p:cNvPr id="2" name="Title 1">
-            <a:extLst>
-              <a:ext uri="{FF2B5EF4-FFF2-40B4-BE49-F238E27FC236}">
-                <a16:creationId xmlns:a16="http://schemas.microsoft.com/office/drawing/2014/main" id="{4518FC28-E0BD-4387-B8BE-9965D1A57FF1}"/>
+          <p:cNvPr id="51" name="Title 1">
+            <a:extLst>
+              <a:ext uri="{FF2B5EF4-FFF2-40B4-BE49-F238E27FC236}">
+                <a16:creationId xmlns:a16="http://schemas.microsoft.com/office/drawing/2014/main" id="{3A89C75C-3781-2E24-F01C-AA40C7E6A15A}"/>
               </a:ext>
             </a:extLst>
           </p:cNvPr>
@@ -12752,8 +13183,8 @@
         </p:nvSpPr>
         <p:spPr>
           <a:xfrm>
-            <a:off x="5476875" y="1671639"/>
-            <a:ext cx="5111750" cy="1204912"/>
+            <a:off x="3581400" y="526417"/>
+            <a:ext cx="5511324" cy="814703"/>
           </a:xfrm>
         </p:spPr>
         <p:txBody>
@@ -12762,31 +13193,31 @@
           <a:p>
             <a:r>
               <a:rPr lang="en-US" dirty="0"/>
-              <a:t>SUMMARY</a:t>
-            </a:r>
-          </a:p>
-        </p:txBody>
-      </p:sp>
-      <p:sp>
-        <p:nvSpPr>
-          <p:cNvPr id="3" name="Text Placeholder 2">
-            <a:extLst>
-              <a:ext uri="{FF2B5EF4-FFF2-40B4-BE49-F238E27FC236}">
-                <a16:creationId xmlns:a16="http://schemas.microsoft.com/office/drawing/2014/main" id="{FED19BCA-B61F-4EA6-A1FB-CCA3BD8506FB}"/>
-              </a:ext>
-            </a:extLst>
-          </p:cNvPr>
-          <p:cNvSpPr>
-            <a:spLocks noGrp="1"/>
-          </p:cNvSpPr>
-          <p:nvPr>
-            <p:ph type="body" idx="1"/>
-          </p:nvPr>
-        </p:nvSpPr>
-        <p:spPr>
-          <a:xfrm>
-            <a:off x="5476875" y="3660774"/>
-            <a:ext cx="5111750" cy="2021570"/>
+              <a:t>Regional Revenue</a:t>
+            </a:r>
+          </a:p>
+        </p:txBody>
+      </p:sp>
+      <p:sp>
+        <p:nvSpPr>
+          <p:cNvPr id="46" name="Text Placeholder 13">
+            <a:extLst>
+              <a:ext uri="{FF2B5EF4-FFF2-40B4-BE49-F238E27FC236}">
+                <a16:creationId xmlns:a16="http://schemas.microsoft.com/office/drawing/2014/main" id="{607B1B73-910A-6B2F-748F-CB76D13645DF}"/>
+              </a:ext>
+            </a:extLst>
+          </p:cNvPr>
+          <p:cNvSpPr>
+            <a:spLocks noGrp="1"/>
+          </p:cNvSpPr>
+          <p:nvPr>
+            <p:ph sz="half" idx="2"/>
+          </p:nvPr>
+        </p:nvSpPr>
+        <p:spPr>
+          <a:xfrm>
+            <a:off x="1090704" y="1461352"/>
+            <a:ext cx="1682976" cy="4541619"/>
           </a:xfrm>
         </p:spPr>
         <p:txBody>
@@ -12796,22 +13227,58 @@
           <a:lstStyle/>
           <a:p>
             <a:r>
-              <a:rPr lang="en-GB" dirty="0"/>
-              <a:t>With a customer base across the globe and a variety of film licenses we are in a good position to explore the option of online rentals. </a:t>
-            </a:r>
-          </a:p>
-          <a:p>
-            <a:r>
-              <a:rPr lang="en-GB" dirty="0"/>
-              <a:t>Our strongest market is Asia with a solid customer base in India and China. </a:t>
-            </a:r>
-          </a:p>
-          <a:p>
-            <a:r>
-              <a:rPr lang="en-GB" dirty="0"/>
-              <a:t>Our film catalogue is well spread across the different genres and they generate a similar level of revenue.</a:t>
-            </a:r>
-            <a:endParaRPr lang="en-US" dirty="0"/>
+              <a:rPr lang="en-GB" sz="1600" dirty="0">
+                <a:effectLst/>
+                <a:latin typeface="Tableau Book"/>
+              </a:rPr>
+              <a:t>As the high number of customers suggest Asia by far generates the highest revenue overall.</a:t>
+            </a:r>
+          </a:p>
+          <a:p>
+            <a:r>
+              <a:rPr lang="en-US" sz="1600" dirty="0">
+                <a:latin typeface="Tableau Book"/>
+              </a:rPr>
+              <a:t>For the remaining regions, the size of revenue is relatively similar and also in line with their customer numbers.</a:t>
+            </a:r>
+          </a:p>
+        </p:txBody>
+      </p:sp>
+      <p:sp>
+        <p:nvSpPr>
+          <p:cNvPr id="63" name="Footer Placeholder 9">
+            <a:extLst>
+              <a:ext uri="{FF2B5EF4-FFF2-40B4-BE49-F238E27FC236}">
+                <a16:creationId xmlns:a16="http://schemas.microsoft.com/office/drawing/2014/main" id="{A6608E75-5E27-5F91-1C8D-93544AA3423B}"/>
+              </a:ext>
+            </a:extLst>
+          </p:cNvPr>
+          <p:cNvSpPr>
+            <a:spLocks noGrp="1"/>
+          </p:cNvSpPr>
+          <p:nvPr>
+            <p:ph type="ftr" sz="quarter" idx="11"/>
+          </p:nvPr>
+        </p:nvSpPr>
+        <p:spPr>
+          <a:xfrm>
+            <a:off x="3139440" y="6123205"/>
+            <a:ext cx="4114800" cy="365125"/>
+          </a:xfrm>
+        </p:spPr>
+        <p:txBody>
+          <a:bodyPr/>
+          <a:lstStyle/>
+          <a:p>
+            <a:pPr algn="l">
+              <a:spcAft>
+                <a:spcPts val="600"/>
+              </a:spcAft>
+            </a:pPr>
+            <a:r>
+              <a:rPr lang="en-US" sz="1100" dirty="0"/>
+              <a:t>Revenue for each global region</a:t>
+            </a:r>
           </a:p>
         </p:txBody>
       </p:sp>
@@ -12820,7 +13287,7 @@
           <p:cNvPr id="6" name="Slide Number Placeholder 5">
             <a:extLst>
               <a:ext uri="{FF2B5EF4-FFF2-40B4-BE49-F238E27FC236}">
-                <a16:creationId xmlns:a16="http://schemas.microsoft.com/office/drawing/2014/main" id="{7C4B8313-9270-4128-8674-3A3E42B806BC}"/>
+                <a16:creationId xmlns:a16="http://schemas.microsoft.com/office/drawing/2014/main" id="{F2A39FA3-9AE3-4689-A469-B7D2DFCCC2D9}"/>
               </a:ext>
             </a:extLst>
           </p:cNvPr>
@@ -12838,248 +13305,63 @@
           </a:xfrm>
         </p:spPr>
         <p:txBody>
-          <a:bodyPr/>
+          <a:bodyPr anchor="ctr">
+            <a:normAutofit/>
+          </a:bodyPr>
           <a:lstStyle/>
           <a:p>
+            <a:pPr>
+              <a:spcAft>
+                <a:spcPts val="600"/>
+              </a:spcAft>
+            </a:pPr>
             <a:fld id="{A49DFD55-3C28-40EF-9E31-A92D2E4017FF}" type="slidenum">
               <a:rPr lang="en-US" smtClean="0"/>
-              <a:pPr/>
+              <a:pPr>
+                <a:spcAft>
+                  <a:spcPts val="600"/>
+                </a:spcAft>
+              </a:pPr>
               <a:t>9</a:t>
             </a:fld>
-            <a:endParaRPr lang="en-US" dirty="0"/>
-          </a:p>
-        </p:txBody>
-      </p:sp>
-      <p:sp>
-        <p:nvSpPr>
-          <p:cNvPr id="5" name="Text Placeholder 2">
-            <a:extLst>
-              <a:ext uri="{FF2B5EF4-FFF2-40B4-BE49-F238E27FC236}">
-                <a16:creationId xmlns:a16="http://schemas.microsoft.com/office/drawing/2014/main" id="{7FC763D3-5A91-751B-1277-07DB7EF20D2F}"/>
-              </a:ext>
-            </a:extLst>
-          </p:cNvPr>
-          <p:cNvSpPr txBox="1">
-            <a:spLocks/>
-          </p:cNvSpPr>
+            <a:endParaRPr lang="en-US"/>
+          </a:p>
+        </p:txBody>
+      </p:sp>
+      <p:pic>
+        <p:nvPicPr>
+          <p:cNvPr id="31" name="Picture 30">
+            <a:extLst>
+              <a:ext uri="{FF2B5EF4-FFF2-40B4-BE49-F238E27FC236}">
+                <a16:creationId xmlns:a16="http://schemas.microsoft.com/office/drawing/2014/main" id="{14EFF8CF-6CB2-22AC-CE11-D299BD82AACC}"/>
+              </a:ext>
+            </a:extLst>
+          </p:cNvPr>
+          <p:cNvPicPr>
+            <a:picLocks noChangeAspect="1"/>
+          </p:cNvPicPr>
           <p:nvPr/>
-        </p:nvSpPr>
-        <p:spPr>
-          <a:xfrm>
-            <a:off x="879993" y="5567652"/>
-            <a:ext cx="10055484" cy="590552"/>
+        </p:nvPicPr>
+        <p:blipFill>
+          <a:blip r:embed="rId2"/>
+          <a:stretch>
+            <a:fillRect/>
+          </a:stretch>
+        </p:blipFill>
+        <p:spPr>
+          <a:xfrm>
+            <a:off x="3139440" y="1461353"/>
+            <a:ext cx="8585201" cy="4541619"/>
           </a:xfrm>
           <a:prstGeom prst="rect">
             <a:avLst/>
           </a:prstGeom>
         </p:spPr>
-        <p:txBody>
-          <a:bodyPr vert="horz" lIns="91440" tIns="45720" rIns="91440" bIns="45720" rtlCol="0">
-            <a:normAutofit/>
-          </a:bodyPr>
-          <a:lstStyle>
-            <a:lvl1pPr marL="0" indent="0" algn="l" defTabSz="914400" rtl="0" eaLnBrk="1" latinLnBrk="0" hangingPunct="1">
-              <a:lnSpc>
-                <a:spcPct val="100000"/>
-              </a:lnSpc>
-              <a:spcBef>
-                <a:spcPts val="1000"/>
-              </a:spcBef>
-              <a:buFont typeface="Arial" panose="020B0604020202020204" pitchFamily="34" charset="0"/>
-              <a:buNone/>
-              <a:defRPr sz="1400" kern="1200" spc="50" baseline="0">
-                <a:solidFill>
-                  <a:schemeClr val="tx1"/>
-                </a:solidFill>
-                <a:latin typeface="+mn-lt"/>
-                <a:ea typeface="+mn-ea"/>
-                <a:cs typeface="+mn-cs"/>
-              </a:defRPr>
-            </a:lvl1pPr>
-            <a:lvl2pPr marL="457200" indent="0" algn="l" defTabSz="914400" rtl="0" eaLnBrk="1" latinLnBrk="0" hangingPunct="1">
-              <a:lnSpc>
-                <a:spcPct val="90000"/>
-              </a:lnSpc>
-              <a:spcBef>
-                <a:spcPts val="500"/>
-              </a:spcBef>
-              <a:buFont typeface="Arial" panose="020B0604020202020204" pitchFamily="34" charset="0"/>
-              <a:buNone/>
-              <a:defRPr sz="2000" kern="1200">
-                <a:solidFill>
-                  <a:schemeClr val="tx1">
-                    <a:tint val="75000"/>
-                  </a:schemeClr>
-                </a:solidFill>
-                <a:latin typeface="+mn-lt"/>
-                <a:ea typeface="+mn-ea"/>
-                <a:cs typeface="+mn-cs"/>
-              </a:defRPr>
-            </a:lvl2pPr>
-            <a:lvl3pPr marL="914400" indent="0" algn="l" defTabSz="914400" rtl="0" eaLnBrk="1" latinLnBrk="0" hangingPunct="1">
-              <a:lnSpc>
-                <a:spcPct val="90000"/>
-              </a:lnSpc>
-              <a:spcBef>
-                <a:spcPts val="500"/>
-              </a:spcBef>
-              <a:buFont typeface="Arial" panose="020B0604020202020204" pitchFamily="34" charset="0"/>
-              <a:buNone/>
-              <a:defRPr sz="1800" kern="1200">
-                <a:solidFill>
-                  <a:schemeClr val="tx1">
-                    <a:tint val="75000"/>
-                  </a:schemeClr>
-                </a:solidFill>
-                <a:latin typeface="+mn-lt"/>
-                <a:ea typeface="+mn-ea"/>
-                <a:cs typeface="+mn-cs"/>
-              </a:defRPr>
-            </a:lvl3pPr>
-            <a:lvl4pPr marL="1371600" indent="0" algn="l" defTabSz="914400" rtl="0" eaLnBrk="1" latinLnBrk="0" hangingPunct="1">
-              <a:lnSpc>
-                <a:spcPct val="90000"/>
-              </a:lnSpc>
-              <a:spcBef>
-                <a:spcPts val="500"/>
-              </a:spcBef>
-              <a:buFont typeface="Arial" panose="020B0604020202020204" pitchFamily="34" charset="0"/>
-              <a:buNone/>
-              <a:defRPr sz="1600" kern="1200">
-                <a:solidFill>
-                  <a:schemeClr val="tx1">
-                    <a:tint val="75000"/>
-                  </a:schemeClr>
-                </a:solidFill>
-                <a:latin typeface="+mn-lt"/>
-                <a:ea typeface="+mn-ea"/>
-                <a:cs typeface="+mn-cs"/>
-              </a:defRPr>
-            </a:lvl4pPr>
-            <a:lvl5pPr marL="1828800" indent="0" algn="l" defTabSz="914400" rtl="0" eaLnBrk="1" latinLnBrk="0" hangingPunct="1">
-              <a:lnSpc>
-                <a:spcPct val="90000"/>
-              </a:lnSpc>
-              <a:spcBef>
-                <a:spcPts val="500"/>
-              </a:spcBef>
-              <a:buFont typeface="Arial" panose="020B0604020202020204" pitchFamily="34" charset="0"/>
-              <a:buNone/>
-              <a:defRPr sz="1600" kern="1200">
-                <a:solidFill>
-                  <a:schemeClr val="tx1">
-                    <a:tint val="75000"/>
-                  </a:schemeClr>
-                </a:solidFill>
-                <a:latin typeface="+mn-lt"/>
-                <a:ea typeface="+mn-ea"/>
-                <a:cs typeface="+mn-cs"/>
-              </a:defRPr>
-            </a:lvl5pPr>
-            <a:lvl6pPr marL="2286000" indent="0" algn="l" defTabSz="914400" rtl="0" eaLnBrk="1" latinLnBrk="0" hangingPunct="1">
-              <a:lnSpc>
-                <a:spcPct val="90000"/>
-              </a:lnSpc>
-              <a:spcBef>
-                <a:spcPts val="500"/>
-              </a:spcBef>
-              <a:buFont typeface="Arial" panose="020B0604020202020204" pitchFamily="34" charset="0"/>
-              <a:buNone/>
-              <a:defRPr sz="1600" kern="1200">
-                <a:solidFill>
-                  <a:schemeClr val="tx1">
-                    <a:tint val="75000"/>
-                  </a:schemeClr>
-                </a:solidFill>
-                <a:latin typeface="+mn-lt"/>
-                <a:ea typeface="+mn-ea"/>
-                <a:cs typeface="+mn-cs"/>
-              </a:defRPr>
-            </a:lvl6pPr>
-            <a:lvl7pPr marL="2743200" indent="0" algn="l" defTabSz="914400" rtl="0" eaLnBrk="1" latinLnBrk="0" hangingPunct="1">
-              <a:lnSpc>
-                <a:spcPct val="90000"/>
-              </a:lnSpc>
-              <a:spcBef>
-                <a:spcPts val="500"/>
-              </a:spcBef>
-              <a:buFont typeface="Arial" panose="020B0604020202020204" pitchFamily="34" charset="0"/>
-              <a:buNone/>
-              <a:defRPr sz="1600" kern="1200">
-                <a:solidFill>
-                  <a:schemeClr val="tx1">
-                    <a:tint val="75000"/>
-                  </a:schemeClr>
-                </a:solidFill>
-                <a:latin typeface="+mn-lt"/>
-                <a:ea typeface="+mn-ea"/>
-                <a:cs typeface="+mn-cs"/>
-              </a:defRPr>
-            </a:lvl7pPr>
-            <a:lvl8pPr marL="3200400" indent="0" algn="l" defTabSz="914400" rtl="0" eaLnBrk="1" latinLnBrk="0" hangingPunct="1">
-              <a:lnSpc>
-                <a:spcPct val="90000"/>
-              </a:lnSpc>
-              <a:spcBef>
-                <a:spcPts val="500"/>
-              </a:spcBef>
-              <a:buFont typeface="Arial" panose="020B0604020202020204" pitchFamily="34" charset="0"/>
-              <a:buNone/>
-              <a:defRPr sz="1600" kern="1200">
-                <a:solidFill>
-                  <a:schemeClr val="tx1">
-                    <a:tint val="75000"/>
-                  </a:schemeClr>
-                </a:solidFill>
-                <a:latin typeface="+mn-lt"/>
-                <a:ea typeface="+mn-ea"/>
-                <a:cs typeface="+mn-cs"/>
-              </a:defRPr>
-            </a:lvl8pPr>
-            <a:lvl9pPr marL="3657600" indent="0" algn="l" defTabSz="914400" rtl="0" eaLnBrk="1" latinLnBrk="0" hangingPunct="1">
-              <a:lnSpc>
-                <a:spcPct val="90000"/>
-              </a:lnSpc>
-              <a:spcBef>
-                <a:spcPts val="500"/>
-              </a:spcBef>
-              <a:buFont typeface="Arial" panose="020B0604020202020204" pitchFamily="34" charset="0"/>
-              <a:buNone/>
-              <a:defRPr sz="1600" kern="1200">
-                <a:solidFill>
-                  <a:schemeClr val="tx1">
-                    <a:tint val="75000"/>
-                  </a:schemeClr>
-                </a:solidFill>
-                <a:latin typeface="+mn-lt"/>
-                <a:ea typeface="+mn-ea"/>
-                <a:cs typeface="+mn-cs"/>
-              </a:defRPr>
-            </a:lvl9pPr>
-          </a:lstStyle>
-          <a:p>
-            <a:r>
-              <a:rPr lang="en-GB" dirty="0"/>
-              <a:t>All visualisations can be found here: </a:t>
-            </a:r>
-            <a:r>
-              <a:rPr lang="en-GB" dirty="0">
-                <a:hlinkClick r:id="rId2"/>
-              </a:rPr>
-              <a:t>https://public.tableau.com/app/profile/asta.hansen/viz/MovieRental_16509979874880/GlobalCustomers?publish=yes</a:t>
-            </a:r>
-            <a:r>
-              <a:rPr lang="en-GB" dirty="0"/>
-              <a:t> </a:t>
-            </a:r>
-            <a:endParaRPr lang="en-US" dirty="0"/>
-          </a:p>
-        </p:txBody>
-      </p:sp>
+      </p:pic>
     </p:spTree>
     <p:extLst>
       <p:ext uri="{BB962C8B-B14F-4D97-AF65-F5344CB8AC3E}">
-        <p14:creationId xmlns:p14="http://schemas.microsoft.com/office/powerpoint/2010/main" val="1742861620"/>
+        <p14:creationId xmlns:p14="http://schemas.microsoft.com/office/powerpoint/2010/main" val="744379741"/>
       </p:ext>
     </p:extLst>
   </p:cSld>

--- a/Rockbuster/Rockbuster-presentation.pptx
+++ b/Rockbuster/Rockbuster-presentation.pptx
@@ -183,7 +183,7 @@
   <pc:docChgLst>
     <pc:chgData name="Asta Hansen" userId="f4202055e753a8d2" providerId="LiveId" clId="{ED9BDAFA-1D45-41D3-8A5A-1066D5612485}"/>
     <pc:docChg chg="undo custSel addSld delSld modSld sldOrd">
-      <pc:chgData name="Asta Hansen" userId="f4202055e753a8d2" providerId="LiveId" clId="{ED9BDAFA-1D45-41D3-8A5A-1066D5612485}" dt="2022-05-30T18:55:15.623" v="4549" actId="14100"/>
+      <pc:chgData name="Asta Hansen" userId="f4202055e753a8d2" providerId="LiveId" clId="{ED9BDAFA-1D45-41D3-8A5A-1066D5612485}" dt="2022-05-30T19:33:18.380" v="4607" actId="20577"/>
       <pc:docMkLst>
         <pc:docMk/>
       </pc:docMkLst>
@@ -233,8 +233,8 @@
           </ac:spMkLst>
         </pc:spChg>
       </pc:sldChg>
-      <pc:sldChg chg="addSp delSp modSp mod setBg">
-        <pc:chgData name="Asta Hansen" userId="f4202055e753a8d2" providerId="LiveId" clId="{ED9BDAFA-1D45-41D3-8A5A-1066D5612485}" dt="2022-05-30T18:51:24.078" v="4503" actId="114"/>
+      <pc:sldChg chg="addSp delSp modSp mod setBg modNotesTx">
+        <pc:chgData name="Asta Hansen" userId="f4202055e753a8d2" providerId="LiveId" clId="{ED9BDAFA-1D45-41D3-8A5A-1066D5612485}" dt="2022-05-30T19:33:18.380" v="4607" actId="20577"/>
         <pc:sldMkLst>
           <pc:docMk/>
           <pc:sldMk cId="3571516367" sldId="258"/>
@@ -1482,6 +1482,93 @@
     </a:lvl9pPr>
   </p:notesStyle>
 </p:notesMaster>
+</file>
+
+<file path=ppt/notesSlides/notesSlide1.xml><?xml version="1.0" encoding="utf-8"?>
+<p:notes xmlns:a="http://schemas.openxmlformats.org/drawingml/2006/main" xmlns:r="http://schemas.openxmlformats.org/officeDocument/2006/relationships" xmlns:p="http://schemas.openxmlformats.org/presentationml/2006/main">
+  <p:cSld>
+    <p:spTree>
+      <p:nvGrpSpPr>
+        <p:cNvPr id="1" name=""/>
+        <p:cNvGrpSpPr/>
+        <p:nvPr/>
+      </p:nvGrpSpPr>
+      <p:grpSpPr>
+        <a:xfrm>
+          <a:off x="0" y="0"/>
+          <a:ext cx="0" cy="0"/>
+          <a:chOff x="0" y="0"/>
+          <a:chExt cx="0" cy="0"/>
+        </a:xfrm>
+      </p:grpSpPr>
+      <p:sp>
+        <p:nvSpPr>
+          <p:cNvPr id="2" name="Slide Image Placeholder 1"/>
+          <p:cNvSpPr>
+            <a:spLocks noGrp="1" noRot="1" noChangeAspect="1"/>
+          </p:cNvSpPr>
+          <p:nvPr>
+            <p:ph type="sldImg"/>
+          </p:nvPr>
+        </p:nvSpPr>
+        <p:spPr/>
+      </p:sp>
+      <p:sp>
+        <p:nvSpPr>
+          <p:cNvPr id="3" name="Notes Placeholder 2"/>
+          <p:cNvSpPr>
+            <a:spLocks noGrp="1"/>
+          </p:cNvSpPr>
+          <p:nvPr>
+            <p:ph type="body" idx="1"/>
+          </p:nvPr>
+        </p:nvSpPr>
+        <p:spPr/>
+        <p:txBody>
+          <a:bodyPr/>
+          <a:lstStyle/>
+          <a:p>
+            <a:r>
+              <a:rPr lang="en-GB" dirty="0"/>
+              <a:t>Problem statement still not clear. Also include </a:t>
+            </a:r>
+          </a:p>
+        </p:txBody>
+      </p:sp>
+      <p:sp>
+        <p:nvSpPr>
+          <p:cNvPr id="4" name="Slide Number Placeholder 3"/>
+          <p:cNvSpPr>
+            <a:spLocks noGrp="1"/>
+          </p:cNvSpPr>
+          <p:nvPr>
+            <p:ph type="sldNum" sz="quarter" idx="5"/>
+          </p:nvPr>
+        </p:nvSpPr>
+        <p:spPr/>
+        <p:txBody>
+          <a:bodyPr/>
+          <a:lstStyle/>
+          <a:p>
+            <a:fld id="{22289C57-55D7-40A4-A101-E74FAC7A092B}" type="slidenum">
+              <a:rPr lang="en-US" smtClean="0"/>
+              <a:t>3</a:t>
+            </a:fld>
+            <a:endParaRPr lang="en-US" dirty="0"/>
+          </a:p>
+        </p:txBody>
+      </p:sp>
+    </p:spTree>
+    <p:extLst>
+      <p:ext uri="{BB962C8B-B14F-4D97-AF65-F5344CB8AC3E}">
+        <p14:creationId xmlns:p14="http://schemas.microsoft.com/office/powerpoint/2010/main" val="3806016423"/>
+      </p:ext>
+    </p:extLst>
+  </p:cSld>
+  <p:clrMapOvr>
+    <a:masterClrMapping/>
+  </p:clrMapOvr>
+</p:notes>
 </file>
 
 <file path=ppt/slideLayouts/slideLayout1.xml><?xml version="1.0" encoding="utf-8"?>
@@ -14163,6 +14250,15 @@
 </file>
 
 <file path=customXml/item1.xml><?xml version="1.0" encoding="utf-8"?>
+<?mso-contentType ?>
+<FormTemplates xmlns="http://schemas.microsoft.com/sharepoint/v3/contenttype/forms">
+  <Display>DocumentLibraryForm</Display>
+  <Edit>DocumentLibraryForm</Edit>
+  <New>DocumentLibraryForm</New>
+</FormTemplates>
+</file>
+
+<file path=customXml/item2.xml><?xml version="1.0" encoding="utf-8"?>
 <ct:contentTypeSchema xmlns:ct="http://schemas.microsoft.com/office/2006/metadata/contentType" xmlns:ma="http://schemas.microsoft.com/office/2006/metadata/properties/metaAttributes" ct:_="" ma:_="" ma:contentTypeName="Document" ma:contentTypeID="0x01010079F111ED35F8CC479449609E8A0923A6" ma:contentTypeVersion="20" ma:contentTypeDescription="Create a new document." ma:contentTypeScope="" ma:versionID="1267097ee5f5874adfcc408041ae252e">
   <xsd:schema xmlns:xsd="http://www.w3.org/2001/XMLSchema" xmlns:xs="http://www.w3.org/2001/XMLSchema" xmlns:p="http://schemas.microsoft.com/office/2006/metadata/properties" xmlns:ns1="http://schemas.microsoft.com/sharepoint/v3" xmlns:ns2="71af3243-3dd4-4a8d-8c0d-dd76da1f02a5" xmlns:ns3="16c05727-aa75-4e4a-9b5f-8a80a1165891" xmlns:ns4="230e9df3-be65-4c73-a93b-d1236ebd677e" targetNamespace="http://schemas.microsoft.com/office/2006/metadata/properties" ma:root="true" ma:fieldsID="395891a93df65b14727750f2c06c306c" ns1:_="" ns2:_="" ns3:_="" ns4:_="">
     <xsd:import namespace="http://schemas.microsoft.com/sharepoint/v3"/>
@@ -14438,15 +14534,6 @@
 </ct:contentTypeSchema>
 </file>
 
-<file path=customXml/item2.xml><?xml version="1.0" encoding="utf-8"?>
-<?mso-contentType ?>
-<FormTemplates xmlns="http://schemas.microsoft.com/sharepoint/v3/contenttype/forms">
-  <Display>DocumentLibraryForm</Display>
-  <Edit>DocumentLibraryForm</Edit>
-  <New>DocumentLibraryForm</New>
-</FormTemplates>
-</file>
-
 <file path=customXml/item3.xml><?xml version="1.0" encoding="utf-8"?>
 <p:properties xmlns:p="http://schemas.microsoft.com/office/2006/metadata/properties" xmlns:xsi="http://www.w3.org/2001/XMLSchema-instance" xmlns:pc="http://schemas.microsoft.com/office/infopath/2007/PartnerControls">
   <documentManagement>
@@ -14467,6 +14554,14 @@
 </file>
 
 <file path=customXml/itemProps1.xml><?xml version="1.0" encoding="utf-8"?>
+<ds:datastoreItem xmlns:ds="http://schemas.openxmlformats.org/officeDocument/2006/customXml" ds:itemID="{0FD6FE22-81A0-4500-AFD0-342D21BB9A2C}">
+  <ds:schemaRefs>
+    <ds:schemaRef ds:uri="http://schemas.microsoft.com/sharepoint/v3/contenttype/forms"/>
+  </ds:schemaRefs>
+</ds:datastoreItem>
+</file>
+
+<file path=customXml/itemProps2.xml><?xml version="1.0" encoding="utf-8"?>
 <ds:datastoreItem xmlns:ds="http://schemas.openxmlformats.org/officeDocument/2006/customXml" ds:itemID="{CC96B61E-1B64-430F-934F-7D1B90028029}">
   <ds:schemaRefs>
     <ds:schemaRef ds:uri="16c05727-aa75-4e4a-9b5f-8a80a1165891"/>
@@ -14484,14 +14579,6 @@
     <ds:schemaRef ds:uri="http://purl.org/dc/elements/1.1/"/>
     <ds:schemaRef ds:uri="http://purl.org/dc/terms/"/>
     <ds:schemaRef ds:uri="http://schemas.microsoft.com/internal/obd"/>
-  </ds:schemaRefs>
-</ds:datastoreItem>
-</file>
-
-<file path=customXml/itemProps2.xml><?xml version="1.0" encoding="utf-8"?>
-<ds:datastoreItem xmlns:ds="http://schemas.openxmlformats.org/officeDocument/2006/customXml" ds:itemID="{0FD6FE22-81A0-4500-AFD0-342D21BB9A2C}">
-  <ds:schemaRefs>
-    <ds:schemaRef ds:uri="http://schemas.microsoft.com/sharepoint/v3/contenttype/forms"/>
   </ds:schemaRefs>
 </ds:datastoreItem>
 </file>
